--- a/Basic_notes_test.pptx
+++ b/Basic_notes_test.pptx
@@ -124,7 +124,7 @@
   </p:defaultTextStyle>
   <p:extLst>
     <p:ext uri="{EFAFB233-063F-42B5-8137-9DF3F51BA10A}">
-      <p15:sldGuideLst xmlns:p15="http://schemas.microsoft.com/office/powerpoint/2012/main">
+      <p15:sldGuideLst xmlns:p15="http://schemas.microsoft.com/office/powerpoint/2012/main" xmlns="">
         <p15:guide id="3" orient="horz" pos="2616" userDrawn="1">
           <p15:clr>
             <a:srgbClr val="A4A3A4"/>
@@ -218,7 +218,7 @@
       </p15:sldGuideLst>
     </p:ext>
     <p:ext uri="{2D200454-40CA-4A62-9FC3-DE9A4176ACB9}">
-      <p15:notesGuideLst xmlns:p15="http://schemas.microsoft.com/office/powerpoint/2012/main"/>
+      <p15:notesGuideLst xmlns:p15="http://schemas.microsoft.com/office/powerpoint/2012/main" xmlns=""/>
     </p:ext>
   </p:extLst>
 </p:presentation>
@@ -257,7 +257,7 @@
           <p:cNvPr id="2" name="Header Placeholder 1">
             <a:extLst>
               <a:ext uri="{FF2B5EF4-FFF2-40B4-BE49-F238E27FC236}">
-                <a16:creationId xmlns:a16="http://schemas.microsoft.com/office/drawing/2014/main" id="{22426ABF-A8C0-D94B-8DA4-89B3D95177FD}"/>
+                <a16:creationId xmlns:a16="http://schemas.microsoft.com/office/drawing/2014/main" xmlns="" id="{22426ABF-A8C0-D94B-8DA4-89B3D95177FD}"/>
               </a:ext>
             </a:extLst>
           </p:cNvPr>
@@ -294,7 +294,7 @@
           <p:cNvPr id="3" name="Date Placeholder 2">
             <a:extLst>
               <a:ext uri="{FF2B5EF4-FFF2-40B4-BE49-F238E27FC236}">
-                <a16:creationId xmlns:a16="http://schemas.microsoft.com/office/drawing/2014/main" id="{F73E1C36-C21F-0B70-27E7-5B59DAE27561}"/>
+                <a16:creationId xmlns:a16="http://schemas.microsoft.com/office/drawing/2014/main" xmlns="" id="{F73E1C36-C21F-0B70-27E7-5B59DAE27561}"/>
               </a:ext>
             </a:extLst>
           </p:cNvPr>
@@ -324,6 +324,7 @@
           <a:p>
             <a:fld id="{AA970FB6-164E-0840-A35B-09E9F3D45F76}" type="datetimeyyyy">
               <a:rPr lang="en-US" smtClean="0"/>
+              <a:pPr/>
               <a:t>2025</a:t>
             </a:fld>
             <a:endParaRPr lang="en-US" dirty="0"/>
@@ -335,7 +336,7 @@
           <p:cNvPr id="4" name="Footer Placeholder 3">
             <a:extLst>
               <a:ext uri="{FF2B5EF4-FFF2-40B4-BE49-F238E27FC236}">
-                <a16:creationId xmlns:a16="http://schemas.microsoft.com/office/drawing/2014/main" id="{E5942066-244B-8673-5E9A-26E4265AD0B2}"/>
+                <a16:creationId xmlns:a16="http://schemas.microsoft.com/office/drawing/2014/main" xmlns="" id="{E5942066-244B-8673-5E9A-26E4265AD0B2}"/>
               </a:ext>
             </a:extLst>
           </p:cNvPr>
@@ -372,7 +373,7 @@
           <p:cNvPr id="5" name="Slide Number Placeholder 4">
             <a:extLst>
               <a:ext uri="{FF2B5EF4-FFF2-40B4-BE49-F238E27FC236}">
-                <a16:creationId xmlns:a16="http://schemas.microsoft.com/office/drawing/2014/main" id="{2530EE97-1F54-6631-A4BB-FD938296488E}"/>
+                <a16:creationId xmlns:a16="http://schemas.microsoft.com/office/drawing/2014/main" xmlns="" id="{2530EE97-1F54-6631-A4BB-FD938296488E}"/>
               </a:ext>
             </a:extLst>
           </p:cNvPr>
@@ -402,6 +403,7 @@
           <a:p>
             <a:fld id="{420BD0AB-C59E-4A46-83D3-F07787446BA0}" type="slidenum">
               <a:rPr lang="en-US" smtClean="0"/>
+              <a:pPr/>
               <a:t>‹#›</a:t>
             </a:fld>
             <a:endParaRPr lang="en-US" dirty="0"/>
@@ -411,7 +413,7 @@
     </p:spTree>
     <p:extLst>
       <p:ext uri="{BB962C8B-B14F-4D97-AF65-F5344CB8AC3E}">
-        <p14:creationId xmlns:p14="http://schemas.microsoft.com/office/powerpoint/2010/main" val="4133783596"/>
+        <p14:creationId xmlns:p14="http://schemas.microsoft.com/office/powerpoint/2010/main" xmlns="" val="4133783596"/>
       </p:ext>
     </p:extLst>
   </p:cSld>
@@ -445,7 +447,7 @@
     </p:spTree>
     <p:extLst>
       <p:ext uri="{BB962C8B-B14F-4D97-AF65-F5344CB8AC3E}">
-        <p14:creationId xmlns:p14="http://schemas.microsoft.com/office/powerpoint/2010/main" val="1780866786"/>
+        <p14:creationId xmlns:p14="http://schemas.microsoft.com/office/powerpoint/2010/main" xmlns="" val="1780866786"/>
       </p:ext>
     </p:extLst>
   </p:cSld>
@@ -614,15 +616,36 @@
           <a:p>
             <a:r>
               <a:rPr lang="en-US" dirty="0"/>
-              <a:t>This is the intro slide.</a:t>
+              <a:t>This is the intro slide</a:t>
             </a:r>
+            <a:r>
+              <a:rPr lang="en-US" dirty="0" smtClean="0"/>
+              <a:t>.</a:t>
+            </a:r>
+          </a:p>
+          <a:p>
+            <a:r>
+              <a:rPr lang="en-US" dirty="0" smtClean="0"/>
+              <a:t>I added</a:t>
+            </a:r>
+            <a:r>
+              <a:rPr lang="en-US" baseline="0" dirty="0" smtClean="0"/>
+              <a:t> this notes</a:t>
+            </a:r>
+          </a:p>
+          <a:p>
+            <a:r>
+              <a:rPr lang="en-US" baseline="0" dirty="0" smtClean="0"/>
+              <a:t>To see the results </a:t>
+            </a:r>
+            <a:endParaRPr lang="en-US" dirty="0"/>
           </a:p>
         </p:txBody>
       </p:sp>
     </p:spTree>
     <p:extLst>
       <p:ext uri="{BB962C8B-B14F-4D97-AF65-F5344CB8AC3E}">
-        <p14:creationId xmlns:p14="http://schemas.microsoft.com/office/powerpoint/2010/main" val="2997654815"/>
+        <p14:creationId xmlns:p14="http://schemas.microsoft.com/office/powerpoint/2010/main" xmlns="" val="2997654815"/>
       </p:ext>
     </p:extLst>
   </p:cSld>
@@ -705,7 +728,7 @@
     </p:spTree>
     <p:extLst>
       <p:ext uri="{BB962C8B-B14F-4D97-AF65-F5344CB8AC3E}">
-        <p14:creationId xmlns:p14="http://schemas.microsoft.com/office/powerpoint/2010/main" val="4110138705"/>
+        <p14:creationId xmlns:p14="http://schemas.microsoft.com/office/powerpoint/2010/main" xmlns="" val="4110138705"/>
       </p:ext>
     </p:extLst>
   </p:cSld>
@@ -788,7 +811,7 @@
     </p:spTree>
     <p:extLst>
       <p:ext uri="{BB962C8B-B14F-4D97-AF65-F5344CB8AC3E}">
-        <p14:creationId xmlns:p14="http://schemas.microsoft.com/office/powerpoint/2010/main" val="3047668310"/>
+        <p14:creationId xmlns:p14="http://schemas.microsoft.com/office/powerpoint/2010/main" xmlns="" val="3047668310"/>
       </p:ext>
     </p:extLst>
   </p:cSld>
@@ -898,7 +921,7 @@
     </p:spTree>
     <p:extLst>
       <p:ext uri="{BB962C8B-B14F-4D97-AF65-F5344CB8AC3E}">
-        <p14:creationId xmlns:p14="http://schemas.microsoft.com/office/powerpoint/2010/main" val="2508814883"/>
+        <p14:creationId xmlns:p14="http://schemas.microsoft.com/office/powerpoint/2010/main" xmlns="" val="2508814883"/>
       </p:ext>
     </p:extLst>
   </p:cSld>
@@ -981,7 +1004,7 @@
     </p:spTree>
     <p:extLst>
       <p:ext uri="{BB962C8B-B14F-4D97-AF65-F5344CB8AC3E}">
-        <p14:creationId xmlns:p14="http://schemas.microsoft.com/office/powerpoint/2010/main" val="931307476"/>
+        <p14:creationId xmlns:p14="http://schemas.microsoft.com/office/powerpoint/2010/main" xmlns="" val="931307476"/>
       </p:ext>
     </p:extLst>
   </p:cSld>
@@ -1057,6 +1080,18 @@
           <a:bodyPr/>
           <a:lstStyle/>
           <a:p>
+            <a:r>
+              <a:rPr lang="en-US" dirty="0" smtClean="0"/>
+              <a:t>Notes of the </a:t>
+            </a:r>
+            <a:r>
+              <a:rPr lang="en-US" smtClean="0"/>
+              <a:t>second</a:t>
+            </a:r>
+            <a:r>
+              <a:rPr lang="en-US" baseline="0" smtClean="0"/>
+              <a:t> slide</a:t>
+            </a:r>
             <a:endParaRPr lang="en-US" dirty="0"/>
           </a:p>
         </p:txBody>
@@ -1064,7 +1099,7 @@
     </p:spTree>
     <p:extLst>
       <p:ext uri="{BB962C8B-B14F-4D97-AF65-F5344CB8AC3E}">
-        <p14:creationId xmlns:p14="http://schemas.microsoft.com/office/powerpoint/2010/main" val="587736169"/>
+        <p14:creationId xmlns:p14="http://schemas.microsoft.com/office/powerpoint/2010/main" xmlns="" val="587736169"/>
       </p:ext>
     </p:extLst>
   </p:cSld>
@@ -1183,7 +1218,7 @@
     </p:spTree>
     <p:extLst>
       <p:ext uri="{BB962C8B-B14F-4D97-AF65-F5344CB8AC3E}">
-        <p14:creationId xmlns:p14="http://schemas.microsoft.com/office/powerpoint/2010/main" val="3294931275"/>
+        <p14:creationId xmlns:p14="http://schemas.microsoft.com/office/powerpoint/2010/main" xmlns="" val="3294931275"/>
       </p:ext>
     </p:extLst>
   </p:cSld>
@@ -1266,7 +1301,7 @@
     </p:spTree>
     <p:extLst>
       <p:ext uri="{BB962C8B-B14F-4D97-AF65-F5344CB8AC3E}">
-        <p14:creationId xmlns:p14="http://schemas.microsoft.com/office/powerpoint/2010/main" val="3068653063"/>
+        <p14:creationId xmlns:p14="http://schemas.microsoft.com/office/powerpoint/2010/main" xmlns="" val="3068653063"/>
       </p:ext>
     </p:extLst>
   </p:cSld>
@@ -1349,7 +1384,7 @@
     </p:spTree>
     <p:extLst>
       <p:ext uri="{BB962C8B-B14F-4D97-AF65-F5344CB8AC3E}">
-        <p14:creationId xmlns:p14="http://schemas.microsoft.com/office/powerpoint/2010/main" val="1019397722"/>
+        <p14:creationId xmlns:p14="http://schemas.microsoft.com/office/powerpoint/2010/main" xmlns="" val="1019397722"/>
       </p:ext>
     </p:extLst>
   </p:cSld>
@@ -1435,7 +1470,7 @@
     </p:spTree>
     <p:extLst>
       <p:ext uri="{BB962C8B-B14F-4D97-AF65-F5344CB8AC3E}">
-        <p14:creationId xmlns:p14="http://schemas.microsoft.com/office/powerpoint/2010/main" val="87667087"/>
+        <p14:creationId xmlns:p14="http://schemas.microsoft.com/office/powerpoint/2010/main" xmlns="" val="87667087"/>
       </p:ext>
     </p:extLst>
   </p:cSld>
@@ -1518,7 +1553,7 @@
     </p:spTree>
     <p:extLst>
       <p:ext uri="{BB962C8B-B14F-4D97-AF65-F5344CB8AC3E}">
-        <p14:creationId xmlns:p14="http://schemas.microsoft.com/office/powerpoint/2010/main" val="1649742202"/>
+        <p14:creationId xmlns:p14="http://schemas.microsoft.com/office/powerpoint/2010/main" xmlns="" val="1649742202"/>
       </p:ext>
     </p:extLst>
   </p:cSld>
@@ -1637,7 +1672,7 @@
     </p:spTree>
     <p:extLst>
       <p:ext uri="{BB962C8B-B14F-4D97-AF65-F5344CB8AC3E}">
-        <p14:creationId xmlns:p14="http://schemas.microsoft.com/office/powerpoint/2010/main" val="177914689"/>
+        <p14:creationId xmlns:p14="http://schemas.microsoft.com/office/powerpoint/2010/main" xmlns="" val="177914689"/>
       </p:ext>
     </p:extLst>
   </p:cSld>
@@ -1741,6 +1776,10 @@
             </a:r>
           </a:p>
           <a:p>
+            <a:r>
+              <a:rPr lang="en-US" dirty="0"/>
+              <a:t/>
+            </a:r>
             <a:br>
               <a:rPr lang="en-US" dirty="0"/>
             </a:br>
@@ -2084,6 +2123,10 @@
             </a:r>
           </a:p>
           <a:p>
+            <a:r>
+              <a:rPr lang="en-US" dirty="0"/>
+              <a:t/>
+            </a:r>
             <a:br>
               <a:rPr lang="en-US" dirty="0"/>
             </a:br>
@@ -2094,7 +2137,7 @@
     </p:spTree>
     <p:extLst>
       <p:ext uri="{BB962C8B-B14F-4D97-AF65-F5344CB8AC3E}">
-        <p14:creationId xmlns:p14="http://schemas.microsoft.com/office/powerpoint/2010/main" val="984541709"/>
+        <p14:creationId xmlns:p14="http://schemas.microsoft.com/office/powerpoint/2010/main" xmlns="" val="984541709"/>
       </p:ext>
     </p:extLst>
   </p:cSld>
@@ -2134,10 +2177,10 @@
           <p:cNvPr id="15" name="Image 0">
             <a:extLst>
               <a:ext uri="{FF2B5EF4-FFF2-40B4-BE49-F238E27FC236}">
-                <a16:creationId xmlns:a16="http://schemas.microsoft.com/office/drawing/2014/main" id="{BA5D5A72-CB6F-F8DE-E2C9-90459C8C3DC1}"/>
+                <a16:creationId xmlns:a16="http://schemas.microsoft.com/office/drawing/2014/main" xmlns="" id="{BA5D5A72-CB6F-F8DE-E2C9-90459C8C3DC1}"/>
               </a:ext>
               <a:ext uri="{C183D7F6-B498-43B3-948B-1728B52AA6E4}">
-                <adec:decorative xmlns:adec="http://schemas.microsoft.com/office/drawing/2017/decorative" val="1"/>
+                <adec:decorative xmlns:adec="http://schemas.microsoft.com/office/drawing/2017/decorative" xmlns="" val="1"/>
               </a:ext>
             </a:extLst>
           </p:cNvPr>
@@ -2219,10 +2262,10 @@
           <p:cNvPr id="20" name="Freeform: Shape 19">
             <a:extLst>
               <a:ext uri="{FF2B5EF4-FFF2-40B4-BE49-F238E27FC236}">
-                <a16:creationId xmlns:a16="http://schemas.microsoft.com/office/drawing/2014/main" id="{E66FD7FF-2869-7902-36B2-2B229AB9AB19}"/>
+                <a16:creationId xmlns:a16="http://schemas.microsoft.com/office/drawing/2014/main" xmlns="" id="{E66FD7FF-2869-7902-36B2-2B229AB9AB19}"/>
               </a:ext>
               <a:ext uri="{C183D7F6-B498-43B3-948B-1728B52AA6E4}">
-                <adec:decorative xmlns:adec="http://schemas.microsoft.com/office/drawing/2017/decorative" val="1"/>
+                <adec:decorative xmlns:adec="http://schemas.microsoft.com/office/drawing/2017/decorative" xmlns="" val="1"/>
               </a:ext>
             </a:extLst>
           </p:cNvPr>
@@ -2332,10 +2375,10 @@
           <p:cNvPr id="18" name="Freeform: Shape 17">
             <a:extLst>
               <a:ext uri="{FF2B5EF4-FFF2-40B4-BE49-F238E27FC236}">
-                <a16:creationId xmlns:a16="http://schemas.microsoft.com/office/drawing/2014/main" id="{B1457C88-4472-81CF-02AF-4421E0A3084B}"/>
+                <a16:creationId xmlns:a16="http://schemas.microsoft.com/office/drawing/2014/main" xmlns="" id="{B1457C88-4472-81CF-02AF-4421E0A3084B}"/>
               </a:ext>
               <a:ext uri="{C183D7F6-B498-43B3-948B-1728B52AA6E4}">
-                <adec:decorative xmlns:adec="http://schemas.microsoft.com/office/drawing/2017/decorative" val="1"/>
+                <adec:decorative xmlns:adec="http://schemas.microsoft.com/office/drawing/2017/decorative" xmlns="" val="1"/>
               </a:ext>
             </a:extLst>
           </p:cNvPr>
@@ -2473,7 +2516,7 @@
     </p:spTree>
     <p:extLst>
       <p:ext uri="{BB962C8B-B14F-4D97-AF65-F5344CB8AC3E}">
-        <p14:creationId xmlns:p14="http://schemas.microsoft.com/office/powerpoint/2010/main" val="2631799807"/>
+        <p14:creationId xmlns:p14="http://schemas.microsoft.com/office/powerpoint/2010/main" xmlns="" val="2631799807"/>
       </p:ext>
     </p:extLst>
   </p:cSld>
@@ -2482,7 +2525,7 @@
   </p:clrMapOvr>
   <p:extLst>
     <p:ext uri="{DCECCB84-F9BA-43D5-87BE-67443E8EF086}">
-      <p15:sldGuideLst xmlns:p15="http://schemas.microsoft.com/office/powerpoint/2012/main">
+      <p15:sldGuideLst xmlns:p15="http://schemas.microsoft.com/office/powerpoint/2012/main" xmlns="">
         <p15:guide id="1" orient="horz" pos="2160" userDrawn="1">
           <p15:clr>
             <a:srgbClr val="FBAE40"/>
@@ -2521,10 +2564,10 @@
           <p:cNvPr id="12" name="Freeform 11">
             <a:extLst>
               <a:ext uri="{FF2B5EF4-FFF2-40B4-BE49-F238E27FC236}">
-                <a16:creationId xmlns:a16="http://schemas.microsoft.com/office/drawing/2014/main" id="{D014917C-8694-B4A4-A211-0F31F00E247E}"/>
+                <a16:creationId xmlns:a16="http://schemas.microsoft.com/office/drawing/2014/main" xmlns="" id="{D014917C-8694-B4A4-A211-0F31F00E247E}"/>
               </a:ext>
               <a:ext uri="{C183D7F6-B498-43B3-948B-1728B52AA6E4}">
-                <adec:decorative xmlns:adec="http://schemas.microsoft.com/office/drawing/2017/decorative" val="1"/>
+                <adec:decorative xmlns:adec="http://schemas.microsoft.com/office/drawing/2017/decorative" xmlns="" val="1"/>
               </a:ext>
             </a:extLst>
           </p:cNvPr>
@@ -2644,10 +2687,10 @@
           <p:cNvPr id="10" name="Freeform 9">
             <a:extLst>
               <a:ext uri="{FF2B5EF4-FFF2-40B4-BE49-F238E27FC236}">
-                <a16:creationId xmlns:a16="http://schemas.microsoft.com/office/drawing/2014/main" id="{A7DB6972-BB75-254A-BA88-C0C3E6E93BDB}"/>
+                <a16:creationId xmlns:a16="http://schemas.microsoft.com/office/drawing/2014/main" xmlns="" id="{A7DB6972-BB75-254A-BA88-C0C3E6E93BDB}"/>
               </a:ext>
               <a:ext uri="{C183D7F6-B498-43B3-948B-1728B52AA6E4}">
-                <adec:decorative xmlns:adec="http://schemas.microsoft.com/office/drawing/2017/decorative" val="1"/>
+                <adec:decorative xmlns:adec="http://schemas.microsoft.com/office/drawing/2017/decorative" xmlns="" val="1"/>
               </a:ext>
             </a:extLst>
           </p:cNvPr>
@@ -2745,10 +2788,10 @@
           <p:cNvPr id="30" name="Image 2">
             <a:extLst>
               <a:ext uri="{FF2B5EF4-FFF2-40B4-BE49-F238E27FC236}">
-                <a16:creationId xmlns:a16="http://schemas.microsoft.com/office/drawing/2014/main" id="{790E862E-398F-571C-EC2C-3D17164DE059}"/>
+                <a16:creationId xmlns:a16="http://schemas.microsoft.com/office/drawing/2014/main" xmlns="" id="{790E862E-398F-571C-EC2C-3D17164DE059}"/>
               </a:ext>
               <a:ext uri="{C183D7F6-B498-43B3-948B-1728B52AA6E4}">
-                <adec:decorative xmlns:adec="http://schemas.microsoft.com/office/drawing/2017/decorative" val="1"/>
+                <adec:decorative xmlns:adec="http://schemas.microsoft.com/office/drawing/2017/decorative" xmlns="" val="1"/>
               </a:ext>
             </a:extLst>
           </p:cNvPr>
@@ -2844,7 +2887,7 @@
           <p:cNvPr id="6" name="Title 1">
             <a:extLst>
               <a:ext uri="{FF2B5EF4-FFF2-40B4-BE49-F238E27FC236}">
-                <a16:creationId xmlns:a16="http://schemas.microsoft.com/office/drawing/2014/main" id="{1C975BF2-D657-C309-269D-B8D006263130}"/>
+                <a16:creationId xmlns:a16="http://schemas.microsoft.com/office/drawing/2014/main" xmlns="" id="{1C975BF2-D657-C309-269D-B8D006263130}"/>
               </a:ext>
             </a:extLst>
           </p:cNvPr>
@@ -2888,7 +2931,7 @@
           <p:cNvPr id="4" name="Text Placeholder 54">
             <a:extLst>
               <a:ext uri="{FF2B5EF4-FFF2-40B4-BE49-F238E27FC236}">
-                <a16:creationId xmlns:a16="http://schemas.microsoft.com/office/drawing/2014/main" id="{A0AEB4DF-13C8-8171-2BDB-FD1AD542E783}"/>
+                <a16:creationId xmlns:a16="http://schemas.microsoft.com/office/drawing/2014/main" xmlns="" id="{A0AEB4DF-13C8-8171-2BDB-FD1AD542E783}"/>
               </a:ext>
             </a:extLst>
           </p:cNvPr>
@@ -2938,7 +2981,7 @@
           <p:cNvPr id="9" name="Content Placeholder 2">
             <a:extLst>
               <a:ext uri="{FF2B5EF4-FFF2-40B4-BE49-F238E27FC236}">
-                <a16:creationId xmlns:a16="http://schemas.microsoft.com/office/drawing/2014/main" id="{42134EBA-AF32-9F8A-370F-0D3E842F0397}"/>
+                <a16:creationId xmlns:a16="http://schemas.microsoft.com/office/drawing/2014/main" xmlns="" id="{42134EBA-AF32-9F8A-370F-0D3E842F0397}"/>
               </a:ext>
             </a:extLst>
           </p:cNvPr>
@@ -3018,7 +3061,7 @@
           <p:cNvPr id="20" name="Slide Number Placeholder 2">
             <a:extLst>
               <a:ext uri="{FF2B5EF4-FFF2-40B4-BE49-F238E27FC236}">
-                <a16:creationId xmlns:a16="http://schemas.microsoft.com/office/drawing/2014/main" id="{AE99A73D-155B-A133-9671-506F54A0559A}"/>
+                <a16:creationId xmlns:a16="http://schemas.microsoft.com/office/drawing/2014/main" xmlns="" id="{AE99A73D-155B-A133-9671-506F54A0559A}"/>
               </a:ext>
             </a:extLst>
           </p:cNvPr>
@@ -3057,7 +3100,7 @@
     </p:spTree>
     <p:extLst>
       <p:ext uri="{BB962C8B-B14F-4D97-AF65-F5344CB8AC3E}">
-        <p14:creationId xmlns:p14="http://schemas.microsoft.com/office/powerpoint/2010/main" val="2203958812"/>
+        <p14:creationId xmlns:p14="http://schemas.microsoft.com/office/powerpoint/2010/main" xmlns="" val="2203958812"/>
       </p:ext>
     </p:extLst>
   </p:cSld>
@@ -3089,10 +3132,10 @@
           <p:cNvPr id="29" name="Graphic 28">
             <a:extLst>
               <a:ext uri="{FF2B5EF4-FFF2-40B4-BE49-F238E27FC236}">
-                <a16:creationId xmlns:a16="http://schemas.microsoft.com/office/drawing/2014/main" id="{D5595DD5-43B0-252F-8BC6-6B74340C5BCF}"/>
+                <a16:creationId xmlns:a16="http://schemas.microsoft.com/office/drawing/2014/main" xmlns="" id="{D5595DD5-43B0-252F-8BC6-6B74340C5BCF}"/>
               </a:ext>
               <a:ext uri="{C183D7F6-B498-43B3-948B-1728B52AA6E4}">
-                <adec:decorative xmlns:adec="http://schemas.microsoft.com/office/drawing/2017/decorative" val="1"/>
+                <adec:decorative xmlns:adec="http://schemas.microsoft.com/office/drawing/2017/decorative" xmlns="" val="1"/>
               </a:ext>
             </a:extLst>
           </p:cNvPr>
@@ -3105,10 +3148,10 @@
           <a:blip r:embed="rId2" cstate="screen">
             <a:extLst>
               <a:ext uri="{28A0092B-C50C-407E-A947-70E740481C1C}">
-                <a14:useLocalDpi xmlns:a14="http://schemas.microsoft.com/office/drawing/2010/main"/>
+                <a14:useLocalDpi xmlns:a14="http://schemas.microsoft.com/office/drawing/2010/main" xmlns=""/>
               </a:ext>
               <a:ext uri="{96DAC541-7B7A-43D3-8B79-37D633B846F1}">
-                <asvg:svgBlip xmlns:asvg="http://schemas.microsoft.com/office/drawing/2016/SVG/main" r:embed="rId3"/>
+                <asvg:svgBlip xmlns:asvg="http://schemas.microsoft.com/office/drawing/2016/SVG/main" xmlns="" r:embed="rId3"/>
               </a:ext>
             </a:extLst>
           </a:blip>
@@ -3209,10 +3252,10 @@
           <p:cNvPr id="49" name="Freeform 48">
             <a:extLst>
               <a:ext uri="{FF2B5EF4-FFF2-40B4-BE49-F238E27FC236}">
-                <a16:creationId xmlns:a16="http://schemas.microsoft.com/office/drawing/2014/main" id="{BC3A3767-6C5E-8188-0A49-955BBACE37F0}"/>
+                <a16:creationId xmlns:a16="http://schemas.microsoft.com/office/drawing/2014/main" xmlns="" id="{BC3A3767-6C5E-8188-0A49-955BBACE37F0}"/>
               </a:ext>
               <a:ext uri="{C183D7F6-B498-43B3-948B-1728B52AA6E4}">
-                <adec:decorative xmlns:adec="http://schemas.microsoft.com/office/drawing/2017/decorative" val="1"/>
+                <adec:decorative xmlns:adec="http://schemas.microsoft.com/office/drawing/2017/decorative" xmlns="" val="1"/>
               </a:ext>
             </a:extLst>
           </p:cNvPr>
@@ -3296,7 +3339,7 @@
           <p:cNvPr id="16" name="Content Placeholder 3">
             <a:extLst>
               <a:ext uri="{FF2B5EF4-FFF2-40B4-BE49-F238E27FC236}">
-                <a16:creationId xmlns:a16="http://schemas.microsoft.com/office/drawing/2014/main" id="{E4BD7F71-D12B-4F27-1505-FF681CF55F73}"/>
+                <a16:creationId xmlns:a16="http://schemas.microsoft.com/office/drawing/2014/main" xmlns="" id="{E4BD7F71-D12B-4F27-1505-FF681CF55F73}"/>
               </a:ext>
             </a:extLst>
           </p:cNvPr>
@@ -3391,7 +3434,7 @@
           <p:cNvPr id="18" name="Content Placeholder 3">
             <a:extLst>
               <a:ext uri="{FF2B5EF4-FFF2-40B4-BE49-F238E27FC236}">
-                <a16:creationId xmlns:a16="http://schemas.microsoft.com/office/drawing/2014/main" id="{FB87C65D-4EF3-18C8-18A8-477F87A37E51}"/>
+                <a16:creationId xmlns:a16="http://schemas.microsoft.com/office/drawing/2014/main" xmlns="" id="{FB87C65D-4EF3-18C8-18A8-477F87A37E51}"/>
               </a:ext>
             </a:extLst>
           </p:cNvPr>
@@ -3486,7 +3529,7 @@
           <p:cNvPr id="27" name="Slide Number Placeholder 2">
             <a:extLst>
               <a:ext uri="{FF2B5EF4-FFF2-40B4-BE49-F238E27FC236}">
-                <a16:creationId xmlns:a16="http://schemas.microsoft.com/office/drawing/2014/main" id="{AEFFA34C-885D-E995-D8F9-B4ACFBF3110D}"/>
+                <a16:creationId xmlns:a16="http://schemas.microsoft.com/office/drawing/2014/main" xmlns="" id="{AEFFA34C-885D-E995-D8F9-B4ACFBF3110D}"/>
               </a:ext>
             </a:extLst>
           </p:cNvPr>
@@ -3527,10 +3570,10 @@
           <p:cNvPr id="43" name="Graphic 42">
             <a:extLst>
               <a:ext uri="{FF2B5EF4-FFF2-40B4-BE49-F238E27FC236}">
-                <a16:creationId xmlns:a16="http://schemas.microsoft.com/office/drawing/2014/main" id="{C6639AD7-128F-B39D-B45F-0F22A2C6D68B}"/>
+                <a16:creationId xmlns:a16="http://schemas.microsoft.com/office/drawing/2014/main" xmlns="" id="{C6639AD7-128F-B39D-B45F-0F22A2C6D68B}"/>
               </a:ext>
               <a:ext uri="{C183D7F6-B498-43B3-948B-1728B52AA6E4}">
-                <adec:decorative xmlns:adec="http://schemas.microsoft.com/office/drawing/2017/decorative" val="1"/>
+                <adec:decorative xmlns:adec="http://schemas.microsoft.com/office/drawing/2017/decorative" xmlns="" val="1"/>
               </a:ext>
             </a:extLst>
           </p:cNvPr>
@@ -3543,10 +3586,10 @@
           <a:blip r:embed="rId2" cstate="screen">
             <a:extLst>
               <a:ext uri="{28A0092B-C50C-407E-A947-70E740481C1C}">
-                <a14:useLocalDpi xmlns:a14="http://schemas.microsoft.com/office/drawing/2010/main"/>
+                <a14:useLocalDpi xmlns:a14="http://schemas.microsoft.com/office/drawing/2010/main" xmlns=""/>
               </a:ext>
               <a:ext uri="{96DAC541-7B7A-43D3-8B79-37D633B846F1}">
-                <asvg:svgBlip xmlns:asvg="http://schemas.microsoft.com/office/drawing/2016/SVG/main" r:embed="rId3"/>
+                <asvg:svgBlip xmlns:asvg="http://schemas.microsoft.com/office/drawing/2016/SVG/main" xmlns="" r:embed="rId3"/>
               </a:ext>
             </a:extLst>
           </a:blip>
@@ -3611,10 +3654,10 @@
           <p:cNvPr id="54" name="Graphic 53">
             <a:extLst>
               <a:ext uri="{FF2B5EF4-FFF2-40B4-BE49-F238E27FC236}">
-                <a16:creationId xmlns:a16="http://schemas.microsoft.com/office/drawing/2014/main" id="{48479A23-C29C-C711-510C-05B69B882268}"/>
+                <a16:creationId xmlns:a16="http://schemas.microsoft.com/office/drawing/2014/main" xmlns="" id="{48479A23-C29C-C711-510C-05B69B882268}"/>
               </a:ext>
               <a:ext uri="{C183D7F6-B498-43B3-948B-1728B52AA6E4}">
-                <adec:decorative xmlns:adec="http://schemas.microsoft.com/office/drawing/2017/decorative" val="1"/>
+                <adec:decorative xmlns:adec="http://schemas.microsoft.com/office/drawing/2017/decorative" xmlns="" val="1"/>
               </a:ext>
             </a:extLst>
           </p:cNvPr>
@@ -3627,10 +3670,10 @@
           <a:blip r:embed="rId4" cstate="screen">
             <a:extLst>
               <a:ext uri="{28A0092B-C50C-407E-A947-70E740481C1C}">
-                <a14:useLocalDpi xmlns:a14="http://schemas.microsoft.com/office/drawing/2010/main"/>
+                <a14:useLocalDpi xmlns:a14="http://schemas.microsoft.com/office/drawing/2010/main" xmlns=""/>
               </a:ext>
               <a:ext uri="{96DAC541-7B7A-43D3-8B79-37D633B846F1}">
-                <asvg:svgBlip xmlns:asvg="http://schemas.microsoft.com/office/drawing/2016/SVG/main" r:embed="rId5"/>
+                <asvg:svgBlip xmlns:asvg="http://schemas.microsoft.com/office/drawing/2016/SVG/main" xmlns="" r:embed="rId5"/>
               </a:ext>
             </a:extLst>
           </a:blip>
@@ -3695,10 +3738,10 @@
           <p:cNvPr id="7" name="Image 2">
             <a:extLst>
               <a:ext uri="{FF2B5EF4-FFF2-40B4-BE49-F238E27FC236}">
-                <a16:creationId xmlns:a16="http://schemas.microsoft.com/office/drawing/2014/main" id="{F3DC42FA-4B8F-2EFC-CAB4-1CCAB93BEB7B}"/>
+                <a16:creationId xmlns:a16="http://schemas.microsoft.com/office/drawing/2014/main" xmlns="" id="{F3DC42FA-4B8F-2EFC-CAB4-1CCAB93BEB7B}"/>
               </a:ext>
               <a:ext uri="{C183D7F6-B498-43B3-948B-1728B52AA6E4}">
-                <adec:decorative xmlns:adec="http://schemas.microsoft.com/office/drawing/2017/decorative" val="1"/>
+                <adec:decorative xmlns:adec="http://schemas.microsoft.com/office/drawing/2017/decorative" xmlns="" val="1"/>
               </a:ext>
             </a:extLst>
           </p:cNvPr>
@@ -3792,7 +3835,7 @@
     </p:spTree>
     <p:extLst>
       <p:ext uri="{BB962C8B-B14F-4D97-AF65-F5344CB8AC3E}">
-        <p14:creationId xmlns:p14="http://schemas.microsoft.com/office/powerpoint/2010/main" val="2586650709"/>
+        <p14:creationId xmlns:p14="http://schemas.microsoft.com/office/powerpoint/2010/main" xmlns="" val="2586650709"/>
       </p:ext>
     </p:extLst>
   </p:cSld>
@@ -3824,10 +3867,10 @@
           <p:cNvPr id="33" name="Rectangle 32">
             <a:extLst>
               <a:ext uri="{FF2B5EF4-FFF2-40B4-BE49-F238E27FC236}">
-                <a16:creationId xmlns:a16="http://schemas.microsoft.com/office/drawing/2014/main" id="{376CF4B8-1811-BD21-43A7-560AC4724F3B}"/>
+                <a16:creationId xmlns:a16="http://schemas.microsoft.com/office/drawing/2014/main" xmlns="" id="{376CF4B8-1811-BD21-43A7-560AC4724F3B}"/>
               </a:ext>
               <a:ext uri="{C183D7F6-B498-43B3-948B-1728B52AA6E4}">
-                <adec:decorative xmlns:adec="http://schemas.microsoft.com/office/drawing/2017/decorative" val="1"/>
+                <adec:decorative xmlns:adec="http://schemas.microsoft.com/office/drawing/2017/decorative" xmlns="" val="1"/>
               </a:ext>
             </a:extLst>
           </p:cNvPr>
@@ -3881,10 +3924,10 @@
           <p:cNvPr id="34" name="Rectangle 33">
             <a:extLst>
               <a:ext uri="{FF2B5EF4-FFF2-40B4-BE49-F238E27FC236}">
-                <a16:creationId xmlns:a16="http://schemas.microsoft.com/office/drawing/2014/main" id="{30B7B4F0-D3BC-63DF-6429-F771BE5A3270}"/>
+                <a16:creationId xmlns:a16="http://schemas.microsoft.com/office/drawing/2014/main" xmlns="" id="{30B7B4F0-D3BC-63DF-6429-F771BE5A3270}"/>
               </a:ext>
               <a:ext uri="{C183D7F6-B498-43B3-948B-1728B52AA6E4}">
-                <adec:decorative xmlns:adec="http://schemas.microsoft.com/office/drawing/2017/decorative" val="1"/>
+                <adec:decorative xmlns:adec="http://schemas.microsoft.com/office/drawing/2017/decorative" xmlns="" val="1"/>
               </a:ext>
             </a:extLst>
           </p:cNvPr>
@@ -3936,7 +3979,7 @@
           <p:cNvPr id="2" name="Title 1">
             <a:extLst>
               <a:ext uri="{FF2B5EF4-FFF2-40B4-BE49-F238E27FC236}">
-                <a16:creationId xmlns:a16="http://schemas.microsoft.com/office/drawing/2014/main" id="{A65C6DDD-D2BB-0153-0F53-9F7C17BDFD2B}"/>
+                <a16:creationId xmlns:a16="http://schemas.microsoft.com/office/drawing/2014/main" xmlns="" id="{A65C6DDD-D2BB-0153-0F53-9F7C17BDFD2B}"/>
               </a:ext>
             </a:extLst>
           </p:cNvPr>
@@ -3980,7 +4023,7 @@
           <p:cNvPr id="14" name="Content Placeholder 5">
             <a:extLst>
               <a:ext uri="{FF2B5EF4-FFF2-40B4-BE49-F238E27FC236}">
-                <a16:creationId xmlns:a16="http://schemas.microsoft.com/office/drawing/2014/main" id="{4D6DED8E-165F-59D7-F01C-4EF0446E5FC0}"/>
+                <a16:creationId xmlns:a16="http://schemas.microsoft.com/office/drawing/2014/main" xmlns="" id="{4D6DED8E-165F-59D7-F01C-4EF0446E5FC0}"/>
               </a:ext>
             </a:extLst>
           </p:cNvPr>
@@ -4075,7 +4118,7 @@
           <p:cNvPr id="16" name="Slide Number Placeholder 2">
             <a:extLst>
               <a:ext uri="{FF2B5EF4-FFF2-40B4-BE49-F238E27FC236}">
-                <a16:creationId xmlns:a16="http://schemas.microsoft.com/office/drawing/2014/main" id="{2933FDAB-13EE-5F9F-5DFC-A5A60BC63623}"/>
+                <a16:creationId xmlns:a16="http://schemas.microsoft.com/office/drawing/2014/main" xmlns="" id="{2933FDAB-13EE-5F9F-5DFC-A5A60BC63623}"/>
               </a:ext>
             </a:extLst>
           </p:cNvPr>
@@ -4114,7 +4157,7 @@
     </p:spTree>
     <p:extLst>
       <p:ext uri="{BB962C8B-B14F-4D97-AF65-F5344CB8AC3E}">
-        <p14:creationId xmlns:p14="http://schemas.microsoft.com/office/powerpoint/2010/main" val="2767508154"/>
+        <p14:creationId xmlns:p14="http://schemas.microsoft.com/office/powerpoint/2010/main" xmlns="" val="2767508154"/>
       </p:ext>
     </p:extLst>
   </p:cSld>
@@ -4154,10 +4197,10 @@
           <p:cNvPr id="13" name="Freeform: Shape 12">
             <a:extLst>
               <a:ext uri="{FF2B5EF4-FFF2-40B4-BE49-F238E27FC236}">
-                <a16:creationId xmlns:a16="http://schemas.microsoft.com/office/drawing/2014/main" id="{AEF1F750-031C-BDB7-BD7B-9CBE17406FDB}"/>
+                <a16:creationId xmlns:a16="http://schemas.microsoft.com/office/drawing/2014/main" xmlns="" id="{AEF1F750-031C-BDB7-BD7B-9CBE17406FDB}"/>
               </a:ext>
               <a:ext uri="{C183D7F6-B498-43B3-948B-1728B52AA6E4}">
-                <adec:decorative xmlns:adec="http://schemas.microsoft.com/office/drawing/2017/decorative" val="1"/>
+                <adec:decorative xmlns:adec="http://schemas.microsoft.com/office/drawing/2017/decorative" xmlns="" val="1"/>
               </a:ext>
             </a:extLst>
           </p:cNvPr>
@@ -4275,10 +4318,10 @@
           <p:cNvPr id="19" name="Freeform: Shape 18">
             <a:extLst>
               <a:ext uri="{FF2B5EF4-FFF2-40B4-BE49-F238E27FC236}">
-                <a16:creationId xmlns:a16="http://schemas.microsoft.com/office/drawing/2014/main" id="{FEB515B5-2D9F-58E1-6E3C-CCBF105D891E}"/>
+                <a16:creationId xmlns:a16="http://schemas.microsoft.com/office/drawing/2014/main" xmlns="" id="{FEB515B5-2D9F-58E1-6E3C-CCBF105D891E}"/>
               </a:ext>
               <a:ext uri="{C183D7F6-B498-43B3-948B-1728B52AA6E4}">
-                <adec:decorative xmlns:adec="http://schemas.microsoft.com/office/drawing/2017/decorative" val="1"/>
+                <adec:decorative xmlns:adec="http://schemas.microsoft.com/office/drawing/2017/decorative" xmlns="" val="1"/>
               </a:ext>
             </a:extLst>
           </p:cNvPr>
@@ -4378,10 +4421,10 @@
           <p:cNvPr id="9" name="Image 2">
             <a:extLst>
               <a:ext uri="{FF2B5EF4-FFF2-40B4-BE49-F238E27FC236}">
-                <a16:creationId xmlns:a16="http://schemas.microsoft.com/office/drawing/2014/main" id="{5CCFEDF9-5B69-87BA-8A33-35033DA4013F}"/>
+                <a16:creationId xmlns:a16="http://schemas.microsoft.com/office/drawing/2014/main" xmlns="" id="{5CCFEDF9-5B69-87BA-8A33-35033DA4013F}"/>
               </a:ext>
               <a:ext uri="{C183D7F6-B498-43B3-948B-1728B52AA6E4}">
-                <adec:decorative xmlns:adec="http://schemas.microsoft.com/office/drawing/2017/decorative" val="1"/>
+                <adec:decorative xmlns:adec="http://schemas.microsoft.com/office/drawing/2017/decorative" xmlns="" val="1"/>
               </a:ext>
             </a:extLst>
           </p:cNvPr>
@@ -4394,10 +4437,10 @@
           <a:blip r:embed="rId2" cstate="screen">
             <a:extLst>
               <a:ext uri="{28A0092B-C50C-407E-A947-70E740481C1C}">
-                <a14:useLocalDpi xmlns:a14="http://schemas.microsoft.com/office/drawing/2010/main"/>
+                <a14:useLocalDpi xmlns:a14="http://schemas.microsoft.com/office/drawing/2010/main" xmlns=""/>
               </a:ext>
               <a:ext uri="{96DAC541-7B7A-43D3-8B79-37D633B846F1}">
-                <asvg:svgBlip xmlns:asvg="http://schemas.microsoft.com/office/drawing/2016/SVG/main" r:embed="rId3"/>
+                <asvg:svgBlip xmlns:asvg="http://schemas.microsoft.com/office/drawing/2016/SVG/main" xmlns="" r:embed="rId3"/>
               </a:ext>
             </a:extLst>
           </a:blip>
@@ -4455,7 +4498,7 @@
           <p:cNvPr id="6" name="Subtitle 2">
             <a:extLst>
               <a:ext uri="{FF2B5EF4-FFF2-40B4-BE49-F238E27FC236}">
-                <a16:creationId xmlns:a16="http://schemas.microsoft.com/office/drawing/2014/main" id="{86F10CB4-CF79-A942-DA9C-04CBB7C89DC3}"/>
+                <a16:creationId xmlns:a16="http://schemas.microsoft.com/office/drawing/2014/main" xmlns="" id="{86F10CB4-CF79-A942-DA9C-04CBB7C89DC3}"/>
               </a:ext>
             </a:extLst>
           </p:cNvPr>
@@ -4528,7 +4571,7 @@
     </p:spTree>
     <p:extLst>
       <p:ext uri="{BB962C8B-B14F-4D97-AF65-F5344CB8AC3E}">
-        <p14:creationId xmlns:p14="http://schemas.microsoft.com/office/powerpoint/2010/main" val="2372898826"/>
+        <p14:creationId xmlns:p14="http://schemas.microsoft.com/office/powerpoint/2010/main" xmlns="" val="2372898826"/>
       </p:ext>
     </p:extLst>
   </p:cSld>
@@ -4560,10 +4603,10 @@
           <p:cNvPr id="7" name="Freeform: Shape 6">
             <a:extLst>
               <a:ext uri="{FF2B5EF4-FFF2-40B4-BE49-F238E27FC236}">
-                <a16:creationId xmlns:a16="http://schemas.microsoft.com/office/drawing/2014/main" id="{2C6B5F91-ABF5-D0B6-E43F-40CEDC3A6DF8}"/>
+                <a16:creationId xmlns:a16="http://schemas.microsoft.com/office/drawing/2014/main" xmlns="" id="{2C6B5F91-ABF5-D0B6-E43F-40CEDC3A6DF8}"/>
               </a:ext>
               <a:ext uri="{C183D7F6-B498-43B3-948B-1728B52AA6E4}">
-                <adec:decorative xmlns:adec="http://schemas.microsoft.com/office/drawing/2017/decorative" val="1"/>
+                <adec:decorative xmlns:adec="http://schemas.microsoft.com/office/drawing/2017/decorative" xmlns="" val="1"/>
               </a:ext>
             </a:extLst>
           </p:cNvPr>
@@ -5524,10 +5567,10 @@
           <p:cNvPr id="9" name="Freeform: Shape 8">
             <a:extLst>
               <a:ext uri="{FF2B5EF4-FFF2-40B4-BE49-F238E27FC236}">
-                <a16:creationId xmlns:a16="http://schemas.microsoft.com/office/drawing/2014/main" id="{A52D64F1-27B6-A1E5-4F44-A6029FAB307B}"/>
+                <a16:creationId xmlns:a16="http://schemas.microsoft.com/office/drawing/2014/main" xmlns="" id="{A52D64F1-27B6-A1E5-4F44-A6029FAB307B}"/>
               </a:ext>
               <a:ext uri="{C183D7F6-B498-43B3-948B-1728B52AA6E4}">
-                <adec:decorative xmlns:adec="http://schemas.microsoft.com/office/drawing/2017/decorative" val="1"/>
+                <adec:decorative xmlns:adec="http://schemas.microsoft.com/office/drawing/2017/decorative" xmlns="" val="1"/>
               </a:ext>
             </a:extLst>
           </p:cNvPr>
@@ -6538,7 +6581,7 @@
     </p:spTree>
     <p:extLst>
       <p:ext uri="{BB962C8B-B14F-4D97-AF65-F5344CB8AC3E}">
-        <p14:creationId xmlns:p14="http://schemas.microsoft.com/office/powerpoint/2010/main" val="2071868441"/>
+        <p14:creationId xmlns:p14="http://schemas.microsoft.com/office/powerpoint/2010/main" xmlns="" val="2071868441"/>
       </p:ext>
     </p:extLst>
   </p:cSld>
@@ -6570,10 +6613,10 @@
           <p:cNvPr id="6" name="Freeform: Shape 5">
             <a:extLst>
               <a:ext uri="{FF2B5EF4-FFF2-40B4-BE49-F238E27FC236}">
-                <a16:creationId xmlns:a16="http://schemas.microsoft.com/office/drawing/2014/main" id="{A626DE4B-D4E5-B36A-89FA-7C0E87AFC31D}"/>
+                <a16:creationId xmlns:a16="http://schemas.microsoft.com/office/drawing/2014/main" xmlns="" id="{A626DE4B-D4E5-B36A-89FA-7C0E87AFC31D}"/>
               </a:ext>
               <a:ext uri="{C183D7F6-B498-43B3-948B-1728B52AA6E4}">
-                <adec:decorative xmlns:adec="http://schemas.microsoft.com/office/drawing/2017/decorative" val="1"/>
+                <adec:decorative xmlns:adec="http://schemas.microsoft.com/office/drawing/2017/decorative" xmlns="" val="1"/>
               </a:ext>
             </a:extLst>
           </p:cNvPr>
@@ -7534,10 +7577,10 @@
           <p:cNvPr id="8" name="Freeform: Shape 7">
             <a:extLst>
               <a:ext uri="{FF2B5EF4-FFF2-40B4-BE49-F238E27FC236}">
-                <a16:creationId xmlns:a16="http://schemas.microsoft.com/office/drawing/2014/main" id="{95243571-BE64-3777-F992-88FC43A60537}"/>
+                <a16:creationId xmlns:a16="http://schemas.microsoft.com/office/drawing/2014/main" xmlns="" id="{95243571-BE64-3777-F992-88FC43A60537}"/>
               </a:ext>
               <a:ext uri="{C183D7F6-B498-43B3-948B-1728B52AA6E4}">
-                <adec:decorative xmlns:adec="http://schemas.microsoft.com/office/drawing/2017/decorative" val="1"/>
+                <adec:decorative xmlns:adec="http://schemas.microsoft.com/office/drawing/2017/decorative" xmlns="" val="1"/>
               </a:ext>
             </a:extLst>
           </p:cNvPr>
@@ -8526,7 +8569,7 @@
     </p:spTree>
     <p:extLst>
       <p:ext uri="{BB962C8B-B14F-4D97-AF65-F5344CB8AC3E}">
-        <p14:creationId xmlns:p14="http://schemas.microsoft.com/office/powerpoint/2010/main" val="1581182869"/>
+        <p14:creationId xmlns:p14="http://schemas.microsoft.com/office/powerpoint/2010/main" xmlns="" val="1581182869"/>
       </p:ext>
     </p:extLst>
   </p:cSld>
@@ -8558,10 +8601,10 @@
           <p:cNvPr id="11" name="Freeform: Shape 10">
             <a:extLst>
               <a:ext uri="{FF2B5EF4-FFF2-40B4-BE49-F238E27FC236}">
-                <a16:creationId xmlns:a16="http://schemas.microsoft.com/office/drawing/2014/main" id="{ADFAE2CB-0EAD-E788-FCB7-FB12F6939199}"/>
+                <a16:creationId xmlns:a16="http://schemas.microsoft.com/office/drawing/2014/main" xmlns="" id="{ADFAE2CB-0EAD-E788-FCB7-FB12F6939199}"/>
               </a:ext>
               <a:ext uri="{C183D7F6-B498-43B3-948B-1728B52AA6E4}">
-                <adec:decorative xmlns:adec="http://schemas.microsoft.com/office/drawing/2017/decorative" val="1"/>
+                <adec:decorative xmlns:adec="http://schemas.microsoft.com/office/drawing/2017/decorative" xmlns="" val="1"/>
               </a:ext>
             </a:extLst>
           </p:cNvPr>
@@ -9733,7 +9776,7 @@
     </p:spTree>
     <p:extLst>
       <p:ext uri="{BB962C8B-B14F-4D97-AF65-F5344CB8AC3E}">
-        <p14:creationId xmlns:p14="http://schemas.microsoft.com/office/powerpoint/2010/main" val="2745005521"/>
+        <p14:creationId xmlns:p14="http://schemas.microsoft.com/office/powerpoint/2010/main" xmlns="" val="2745005521"/>
       </p:ext>
     </p:extLst>
   </p:cSld>
@@ -9765,10 +9808,10 @@
           <p:cNvPr id="11" name="Freeform: Shape 10">
             <a:extLst>
               <a:ext uri="{FF2B5EF4-FFF2-40B4-BE49-F238E27FC236}">
-                <a16:creationId xmlns:a16="http://schemas.microsoft.com/office/drawing/2014/main" id="{CAA6B609-D718-DB49-892F-7E49376CC913}"/>
+                <a16:creationId xmlns:a16="http://schemas.microsoft.com/office/drawing/2014/main" xmlns="" id="{CAA6B609-D718-DB49-892F-7E49376CC913}"/>
               </a:ext>
               <a:ext uri="{C183D7F6-B498-43B3-948B-1728B52AA6E4}">
-                <adec:decorative xmlns:adec="http://schemas.microsoft.com/office/drawing/2017/decorative" val="1"/>
+                <adec:decorative xmlns:adec="http://schemas.microsoft.com/office/drawing/2017/decorative" xmlns="" val="1"/>
               </a:ext>
             </a:extLst>
           </p:cNvPr>
@@ -10922,7 +10965,7 @@
     </p:spTree>
     <p:extLst>
       <p:ext uri="{BB962C8B-B14F-4D97-AF65-F5344CB8AC3E}">
-        <p14:creationId xmlns:p14="http://schemas.microsoft.com/office/powerpoint/2010/main" val="2234670087"/>
+        <p14:creationId xmlns:p14="http://schemas.microsoft.com/office/powerpoint/2010/main" xmlns="" val="2234670087"/>
       </p:ext>
     </p:extLst>
   </p:cSld>
@@ -10954,10 +10997,10 @@
           <p:cNvPr id="6" name="Group 5">
             <a:extLst>
               <a:ext uri="{FF2B5EF4-FFF2-40B4-BE49-F238E27FC236}">
-                <a16:creationId xmlns:a16="http://schemas.microsoft.com/office/drawing/2014/main" id="{75923D9E-9381-3D11-B31A-1BF5C97F35B0}"/>
+                <a16:creationId xmlns:a16="http://schemas.microsoft.com/office/drawing/2014/main" xmlns="" id="{75923D9E-9381-3D11-B31A-1BF5C97F35B0}"/>
               </a:ext>
               <a:ext uri="{C183D7F6-B498-43B3-948B-1728B52AA6E4}">
-                <adec:decorative xmlns:adec="http://schemas.microsoft.com/office/drawing/2017/decorative" val="1"/>
+                <adec:decorative xmlns:adec="http://schemas.microsoft.com/office/drawing/2017/decorative" xmlns="" val="1"/>
               </a:ext>
             </a:extLst>
           </p:cNvPr>
@@ -10977,7 +11020,7 @@
             <p:cNvPr id="7" name="Freeform 7">
               <a:extLst>
                 <a:ext uri="{FF2B5EF4-FFF2-40B4-BE49-F238E27FC236}">
-                  <a16:creationId xmlns:a16="http://schemas.microsoft.com/office/drawing/2014/main" id="{89E777D0-3240-08CE-6B6C-B33B910B8490}"/>
+                  <a16:creationId xmlns:a16="http://schemas.microsoft.com/office/drawing/2014/main" xmlns="" id="{89E777D0-3240-08CE-6B6C-B33B910B8490}"/>
                 </a:ext>
               </a:extLst>
             </p:cNvPr>
@@ -11062,7 +11105,7 @@
             <p:cNvPr id="8" name="Freeform 6">
               <a:extLst>
                 <a:ext uri="{FF2B5EF4-FFF2-40B4-BE49-F238E27FC236}">
-                  <a16:creationId xmlns:a16="http://schemas.microsoft.com/office/drawing/2014/main" id="{EFEA81A2-6893-518C-6AF3-37C987789C86}"/>
+                  <a16:creationId xmlns:a16="http://schemas.microsoft.com/office/drawing/2014/main" xmlns="" id="{EFEA81A2-6893-518C-6AF3-37C987789C86}"/>
                 </a:ext>
               </a:extLst>
             </p:cNvPr>
@@ -11148,10 +11191,10 @@
           <p:cNvPr id="9" name="Group 8">
             <a:extLst>
               <a:ext uri="{FF2B5EF4-FFF2-40B4-BE49-F238E27FC236}">
-                <a16:creationId xmlns:a16="http://schemas.microsoft.com/office/drawing/2014/main" id="{0F297964-0B81-31DC-6D6D-1414832238B1}"/>
+                <a16:creationId xmlns:a16="http://schemas.microsoft.com/office/drawing/2014/main" xmlns="" id="{0F297964-0B81-31DC-6D6D-1414832238B1}"/>
               </a:ext>
               <a:ext uri="{C183D7F6-B498-43B3-948B-1728B52AA6E4}">
-                <adec:decorative xmlns:adec="http://schemas.microsoft.com/office/drawing/2017/decorative" val="1"/>
+                <adec:decorative xmlns:adec="http://schemas.microsoft.com/office/drawing/2017/decorative" xmlns="" val="1"/>
               </a:ext>
             </a:extLst>
           </p:cNvPr>
@@ -11171,7 +11214,7 @@
             <p:cNvPr id="10" name="Freeform 7">
               <a:extLst>
                 <a:ext uri="{FF2B5EF4-FFF2-40B4-BE49-F238E27FC236}">
-                  <a16:creationId xmlns:a16="http://schemas.microsoft.com/office/drawing/2014/main" id="{CE4FDB43-7466-4B74-330E-836DA9504C90}"/>
+                  <a16:creationId xmlns:a16="http://schemas.microsoft.com/office/drawing/2014/main" xmlns="" id="{CE4FDB43-7466-4B74-330E-836DA9504C90}"/>
                 </a:ext>
               </a:extLst>
             </p:cNvPr>
@@ -11256,7 +11299,7 @@
             <p:cNvPr id="11" name="Freeform 6">
               <a:extLst>
                 <a:ext uri="{FF2B5EF4-FFF2-40B4-BE49-F238E27FC236}">
-                  <a16:creationId xmlns:a16="http://schemas.microsoft.com/office/drawing/2014/main" id="{2EA39DB9-F1B4-F4E9-CF4D-717B0CD747DA}"/>
+                  <a16:creationId xmlns:a16="http://schemas.microsoft.com/office/drawing/2014/main" xmlns="" id="{2EA39DB9-F1B4-F4E9-CF4D-717B0CD747DA}"/>
                 </a:ext>
               </a:extLst>
             </p:cNvPr>
@@ -11342,10 +11385,10 @@
           <p:cNvPr id="14" name="Image 2">
             <a:extLst>
               <a:ext uri="{FF2B5EF4-FFF2-40B4-BE49-F238E27FC236}">
-                <a16:creationId xmlns:a16="http://schemas.microsoft.com/office/drawing/2014/main" id="{EFFAEAD9-58A9-096B-C6D0-58F7AD08EB20}"/>
+                <a16:creationId xmlns:a16="http://schemas.microsoft.com/office/drawing/2014/main" xmlns="" id="{EFFAEAD9-58A9-096B-C6D0-58F7AD08EB20}"/>
               </a:ext>
               <a:ext uri="{C183D7F6-B498-43B3-948B-1728B52AA6E4}">
-                <adec:decorative xmlns:adec="http://schemas.microsoft.com/office/drawing/2017/decorative" val="1"/>
+                <adec:decorative xmlns:adec="http://schemas.microsoft.com/office/drawing/2017/decorative" xmlns="" val="1"/>
               </a:ext>
             </a:extLst>
           </p:cNvPr>
@@ -11443,7 +11486,7 @@
           <p:cNvPr id="2" name="Title 1">
             <a:extLst>
               <a:ext uri="{FF2B5EF4-FFF2-40B4-BE49-F238E27FC236}">
-                <a16:creationId xmlns:a16="http://schemas.microsoft.com/office/drawing/2014/main" id="{9A1CFBBA-B680-A6A7-3C4B-5FEAC4253283}"/>
+                <a16:creationId xmlns:a16="http://schemas.microsoft.com/office/drawing/2014/main" xmlns="" id="{9A1CFBBA-B680-A6A7-3C4B-5FEAC4253283}"/>
               </a:ext>
             </a:extLst>
           </p:cNvPr>
@@ -11485,7 +11528,7 @@
           <p:cNvPr id="13" name="Content Placeholder 2">
             <a:extLst>
               <a:ext uri="{FF2B5EF4-FFF2-40B4-BE49-F238E27FC236}">
-                <a16:creationId xmlns:a16="http://schemas.microsoft.com/office/drawing/2014/main" id="{72386C43-DD10-E892-08AD-D6F4AE9617DD}"/>
+                <a16:creationId xmlns:a16="http://schemas.microsoft.com/office/drawing/2014/main" xmlns="" id="{72386C43-DD10-E892-08AD-D6F4AE9617DD}"/>
               </a:ext>
             </a:extLst>
           </p:cNvPr>
@@ -11564,7 +11607,7 @@
           <p:cNvPr id="3" name="Slide Number Placeholder 2">
             <a:extLst>
               <a:ext uri="{FF2B5EF4-FFF2-40B4-BE49-F238E27FC236}">
-                <a16:creationId xmlns:a16="http://schemas.microsoft.com/office/drawing/2014/main" id="{71114D1E-7749-DD58-8782-318E4F679DE0}"/>
+                <a16:creationId xmlns:a16="http://schemas.microsoft.com/office/drawing/2014/main" xmlns="" id="{71114D1E-7749-DD58-8782-318E4F679DE0}"/>
               </a:ext>
             </a:extLst>
           </p:cNvPr>
@@ -11603,7 +11646,7 @@
     </p:spTree>
     <p:extLst>
       <p:ext uri="{BB962C8B-B14F-4D97-AF65-F5344CB8AC3E}">
-        <p14:creationId xmlns:p14="http://schemas.microsoft.com/office/powerpoint/2010/main" val="2333964501"/>
+        <p14:creationId xmlns:p14="http://schemas.microsoft.com/office/powerpoint/2010/main" xmlns="" val="2333964501"/>
       </p:ext>
     </p:extLst>
   </p:cSld>
@@ -11635,10 +11678,10 @@
           <p:cNvPr id="5" name="Rectangle 4">
             <a:extLst>
               <a:ext uri="{FF2B5EF4-FFF2-40B4-BE49-F238E27FC236}">
-                <a16:creationId xmlns:a16="http://schemas.microsoft.com/office/drawing/2014/main" id="{7537D12D-0FCA-3396-988D-452D3D526E3D}"/>
+                <a16:creationId xmlns:a16="http://schemas.microsoft.com/office/drawing/2014/main" xmlns="" id="{7537D12D-0FCA-3396-988D-452D3D526E3D}"/>
               </a:ext>
               <a:ext uri="{C183D7F6-B498-43B3-948B-1728B52AA6E4}">
-                <adec:decorative xmlns:adec="http://schemas.microsoft.com/office/drawing/2017/decorative" val="1"/>
+                <adec:decorative xmlns:adec="http://schemas.microsoft.com/office/drawing/2017/decorative" xmlns="" val="1"/>
               </a:ext>
             </a:extLst>
           </p:cNvPr>
@@ -11692,10 +11735,10 @@
           <p:cNvPr id="6" name="Rectangle 5">
             <a:extLst>
               <a:ext uri="{FF2B5EF4-FFF2-40B4-BE49-F238E27FC236}">
-                <a16:creationId xmlns:a16="http://schemas.microsoft.com/office/drawing/2014/main" id="{11710CE8-8A83-C0D3-623E-AFCC6C6A2930}"/>
+                <a16:creationId xmlns:a16="http://schemas.microsoft.com/office/drawing/2014/main" xmlns="" id="{11710CE8-8A83-C0D3-623E-AFCC6C6A2930}"/>
               </a:ext>
               <a:ext uri="{C183D7F6-B498-43B3-948B-1728B52AA6E4}">
-                <adec:decorative xmlns:adec="http://schemas.microsoft.com/office/drawing/2017/decorative" val="1"/>
+                <adec:decorative xmlns:adec="http://schemas.microsoft.com/office/drawing/2017/decorative" xmlns="" val="1"/>
               </a:ext>
             </a:extLst>
           </p:cNvPr>
@@ -11747,10 +11790,10 @@
           <p:cNvPr id="18" name="Group 17">
             <a:extLst>
               <a:ext uri="{FF2B5EF4-FFF2-40B4-BE49-F238E27FC236}">
-                <a16:creationId xmlns:a16="http://schemas.microsoft.com/office/drawing/2014/main" id="{7AA66C80-37C3-6D28-7564-733A30B2CD8D}"/>
+                <a16:creationId xmlns:a16="http://schemas.microsoft.com/office/drawing/2014/main" xmlns="" id="{7AA66C80-37C3-6D28-7564-733A30B2CD8D}"/>
               </a:ext>
               <a:ext uri="{C183D7F6-B498-43B3-948B-1728B52AA6E4}">
-                <adec:decorative xmlns:adec="http://schemas.microsoft.com/office/drawing/2017/decorative" val="1"/>
+                <adec:decorative xmlns:adec="http://schemas.microsoft.com/office/drawing/2017/decorative" xmlns="" val="1"/>
               </a:ext>
             </a:extLst>
           </p:cNvPr>
@@ -11770,10 +11813,10 @@
             <p:cNvPr id="12" name="Freeform: Shape 28">
               <a:extLst>
                 <a:ext uri="{FF2B5EF4-FFF2-40B4-BE49-F238E27FC236}">
-                  <a16:creationId xmlns:a16="http://schemas.microsoft.com/office/drawing/2014/main" id="{D9DB7C23-E0CF-A75F-BFFD-4E7679AF4AD5}"/>
+                  <a16:creationId xmlns:a16="http://schemas.microsoft.com/office/drawing/2014/main" xmlns="" id="{D9DB7C23-E0CF-A75F-BFFD-4E7679AF4AD5}"/>
                 </a:ext>
                 <a:ext uri="{C183D7F6-B498-43B3-948B-1728B52AA6E4}">
-                  <adec:decorative xmlns:adec="http://schemas.microsoft.com/office/drawing/2017/decorative" val="1"/>
+                  <adec:decorative xmlns:adec="http://schemas.microsoft.com/office/drawing/2017/decorative" xmlns="" val="1"/>
                 </a:ext>
               </a:extLst>
             </p:cNvPr>
@@ -11893,10 +11936,10 @@
             <p:cNvPr id="15" name="Freeform: Shape 15">
               <a:extLst>
                 <a:ext uri="{FF2B5EF4-FFF2-40B4-BE49-F238E27FC236}">
-                  <a16:creationId xmlns:a16="http://schemas.microsoft.com/office/drawing/2014/main" id="{4D62A0CC-A0CE-403A-A167-27225B2C6083}"/>
+                  <a16:creationId xmlns:a16="http://schemas.microsoft.com/office/drawing/2014/main" xmlns="" id="{4D62A0CC-A0CE-403A-A167-27225B2C6083}"/>
                 </a:ext>
                 <a:ext uri="{C183D7F6-B498-43B3-948B-1728B52AA6E4}">
-                  <adec:decorative xmlns:adec="http://schemas.microsoft.com/office/drawing/2017/decorative" val="1"/>
+                  <adec:decorative xmlns:adec="http://schemas.microsoft.com/office/drawing/2017/decorative" xmlns="" val="1"/>
                 </a:ext>
               </a:extLst>
             </p:cNvPr>
@@ -11994,10 +12037,10 @@
             <p:cNvPr id="16" name="Image 2">
               <a:extLst>
                 <a:ext uri="{FF2B5EF4-FFF2-40B4-BE49-F238E27FC236}">
-                  <a16:creationId xmlns:a16="http://schemas.microsoft.com/office/drawing/2014/main" id="{F8AD83DA-A293-6D56-F606-7C98C403A3F7}"/>
+                  <a16:creationId xmlns:a16="http://schemas.microsoft.com/office/drawing/2014/main" xmlns="" id="{F8AD83DA-A293-6D56-F606-7C98C403A3F7}"/>
                 </a:ext>
                 <a:ext uri="{C183D7F6-B498-43B3-948B-1728B52AA6E4}">
-                  <adec:decorative xmlns:adec="http://schemas.microsoft.com/office/drawing/2017/decorative" val="1"/>
+                  <adec:decorative xmlns:adec="http://schemas.microsoft.com/office/drawing/2017/decorative" xmlns="" val="1"/>
                 </a:ext>
               </a:extLst>
             </p:cNvPr>
@@ -12130,7 +12173,7 @@
           <p:cNvPr id="8" name="Picture Placeholder 7">
             <a:extLst>
               <a:ext uri="{FF2B5EF4-FFF2-40B4-BE49-F238E27FC236}">
-                <a16:creationId xmlns:a16="http://schemas.microsoft.com/office/drawing/2014/main" id="{E979AC40-7C15-9431-5B1A-415655A7FC05}"/>
+                <a16:creationId xmlns:a16="http://schemas.microsoft.com/office/drawing/2014/main" xmlns="" id="{E979AC40-7C15-9431-5B1A-415655A7FC05}"/>
               </a:ext>
             </a:extLst>
           </p:cNvPr>
@@ -12169,7 +12212,7 @@
     </p:spTree>
     <p:extLst>
       <p:ext uri="{BB962C8B-B14F-4D97-AF65-F5344CB8AC3E}">
-        <p14:creationId xmlns:p14="http://schemas.microsoft.com/office/powerpoint/2010/main" val="433189165"/>
+        <p14:creationId xmlns:p14="http://schemas.microsoft.com/office/powerpoint/2010/main" xmlns="" val="433189165"/>
       </p:ext>
     </p:extLst>
   </p:cSld>
@@ -12201,10 +12244,10 @@
           <p:cNvPr id="21" name="Rectangle 20">
             <a:extLst>
               <a:ext uri="{FF2B5EF4-FFF2-40B4-BE49-F238E27FC236}">
-                <a16:creationId xmlns:a16="http://schemas.microsoft.com/office/drawing/2014/main" id="{86F8B46B-EF6E-BC12-09E2-0F3B779197B4}"/>
+                <a16:creationId xmlns:a16="http://schemas.microsoft.com/office/drawing/2014/main" xmlns="" id="{86F8B46B-EF6E-BC12-09E2-0F3B779197B4}"/>
               </a:ext>
               <a:ext uri="{C183D7F6-B498-43B3-948B-1728B52AA6E4}">
-                <adec:decorative xmlns:adec="http://schemas.microsoft.com/office/drawing/2017/decorative" val="1"/>
+                <adec:decorative xmlns:adec="http://schemas.microsoft.com/office/drawing/2017/decorative" xmlns="" val="1"/>
               </a:ext>
             </a:extLst>
           </p:cNvPr>
@@ -12258,10 +12301,10 @@
           <p:cNvPr id="22" name="Rectangle 21">
             <a:extLst>
               <a:ext uri="{FF2B5EF4-FFF2-40B4-BE49-F238E27FC236}">
-                <a16:creationId xmlns:a16="http://schemas.microsoft.com/office/drawing/2014/main" id="{5D7B4F11-E150-473B-98F5-6E6AC9646863}"/>
+                <a16:creationId xmlns:a16="http://schemas.microsoft.com/office/drawing/2014/main" xmlns="" id="{5D7B4F11-E150-473B-98F5-6E6AC9646863}"/>
               </a:ext>
               <a:ext uri="{C183D7F6-B498-43B3-948B-1728B52AA6E4}">
-                <adec:decorative xmlns:adec="http://schemas.microsoft.com/office/drawing/2017/decorative" val="1"/>
+                <adec:decorative xmlns:adec="http://schemas.microsoft.com/office/drawing/2017/decorative" xmlns="" val="1"/>
               </a:ext>
             </a:extLst>
           </p:cNvPr>
@@ -12313,10 +12356,10 @@
           <p:cNvPr id="36" name="Freeform 35">
             <a:extLst>
               <a:ext uri="{FF2B5EF4-FFF2-40B4-BE49-F238E27FC236}">
-                <a16:creationId xmlns:a16="http://schemas.microsoft.com/office/drawing/2014/main" id="{A8E2FA61-C047-21BB-AA50-F84AD7685498}"/>
+                <a16:creationId xmlns:a16="http://schemas.microsoft.com/office/drawing/2014/main" xmlns="" id="{A8E2FA61-C047-21BB-AA50-F84AD7685498}"/>
               </a:ext>
               <a:ext uri="{C183D7F6-B498-43B3-948B-1728B52AA6E4}">
-                <adec:decorative xmlns:adec="http://schemas.microsoft.com/office/drawing/2017/decorative" val="1"/>
+                <adec:decorative xmlns:adec="http://schemas.microsoft.com/office/drawing/2017/decorative" xmlns="" val="1"/>
               </a:ext>
             </a:extLst>
           </p:cNvPr>
@@ -12400,10 +12443,10 @@
           <p:cNvPr id="33" name="Freeform 32">
             <a:extLst>
               <a:ext uri="{FF2B5EF4-FFF2-40B4-BE49-F238E27FC236}">
-                <a16:creationId xmlns:a16="http://schemas.microsoft.com/office/drawing/2014/main" id="{1A2791BA-760E-9FA5-8743-D0B699FC9835}"/>
+                <a16:creationId xmlns:a16="http://schemas.microsoft.com/office/drawing/2014/main" xmlns="" id="{1A2791BA-760E-9FA5-8743-D0B699FC9835}"/>
               </a:ext>
               <a:ext uri="{C183D7F6-B498-43B3-948B-1728B52AA6E4}">
-                <adec:decorative xmlns:adec="http://schemas.microsoft.com/office/drawing/2017/decorative" val="1"/>
+                <adec:decorative xmlns:adec="http://schemas.microsoft.com/office/drawing/2017/decorative" xmlns="" val="1"/>
               </a:ext>
             </a:extLst>
           </p:cNvPr>
@@ -12500,7 +12543,7 @@
           <p:cNvPr id="4" name="Title 1">
             <a:extLst>
               <a:ext uri="{FF2B5EF4-FFF2-40B4-BE49-F238E27FC236}">
-                <a16:creationId xmlns:a16="http://schemas.microsoft.com/office/drawing/2014/main" id="{8D6A03F2-8C7B-D33B-0E8F-24D4800D5C01}"/>
+                <a16:creationId xmlns:a16="http://schemas.microsoft.com/office/drawing/2014/main" xmlns="" id="{8D6A03F2-8C7B-D33B-0E8F-24D4800D5C01}"/>
               </a:ext>
             </a:extLst>
           </p:cNvPr>
@@ -12542,7 +12585,7 @@
           <p:cNvPr id="5" name="Content Placeholder 2">
             <a:extLst>
               <a:ext uri="{FF2B5EF4-FFF2-40B4-BE49-F238E27FC236}">
-                <a16:creationId xmlns:a16="http://schemas.microsoft.com/office/drawing/2014/main" id="{C51465C6-2CDE-B5BF-F22E-CBDD44E86CFC}"/>
+                <a16:creationId xmlns:a16="http://schemas.microsoft.com/office/drawing/2014/main" xmlns="" id="{C51465C6-2CDE-B5BF-F22E-CBDD44E86CFC}"/>
               </a:ext>
             </a:extLst>
           </p:cNvPr>
@@ -12621,7 +12664,7 @@
           <p:cNvPr id="52" name="Picture Placeholder 7">
             <a:extLst>
               <a:ext uri="{FF2B5EF4-FFF2-40B4-BE49-F238E27FC236}">
-                <a16:creationId xmlns:a16="http://schemas.microsoft.com/office/drawing/2014/main" id="{55126063-BDEE-A1AB-FDAE-DD9B98CACDA8}"/>
+                <a16:creationId xmlns:a16="http://schemas.microsoft.com/office/drawing/2014/main" xmlns="" id="{55126063-BDEE-A1AB-FDAE-DD9B98CACDA8}"/>
               </a:ext>
             </a:extLst>
           </p:cNvPr>
@@ -12663,7 +12706,7 @@
     </p:spTree>
     <p:extLst>
       <p:ext uri="{BB962C8B-B14F-4D97-AF65-F5344CB8AC3E}">
-        <p14:creationId xmlns:p14="http://schemas.microsoft.com/office/powerpoint/2010/main" val="1681789449"/>
+        <p14:creationId xmlns:p14="http://schemas.microsoft.com/office/powerpoint/2010/main" xmlns="" val="1681789449"/>
       </p:ext>
     </p:extLst>
   </p:cSld>
@@ -12695,10 +12738,10 @@
           <p:cNvPr id="32" name="Image 1">
             <a:extLst>
               <a:ext uri="{FF2B5EF4-FFF2-40B4-BE49-F238E27FC236}">
-                <a16:creationId xmlns:a16="http://schemas.microsoft.com/office/drawing/2014/main" id="{2A3EC91E-4089-D366-06D3-3E66F93DFAF3}"/>
+                <a16:creationId xmlns:a16="http://schemas.microsoft.com/office/drawing/2014/main" xmlns="" id="{2A3EC91E-4089-D366-06D3-3E66F93DFAF3}"/>
               </a:ext>
               <a:ext uri="{C183D7F6-B498-43B3-948B-1728B52AA6E4}">
-                <adec:decorative xmlns:adec="http://schemas.microsoft.com/office/drawing/2017/decorative" val="1"/>
+                <adec:decorative xmlns:adec="http://schemas.microsoft.com/office/drawing/2017/decorative" xmlns="" val="1"/>
               </a:ext>
             </a:extLst>
           </p:cNvPr>
@@ -12788,10 +12831,10 @@
           <p:cNvPr id="53" name="Freeform: Shape 52">
             <a:extLst>
               <a:ext uri="{FF2B5EF4-FFF2-40B4-BE49-F238E27FC236}">
-                <a16:creationId xmlns:a16="http://schemas.microsoft.com/office/drawing/2014/main" id="{70F595E1-C910-3710-90E9-AF5FFCE05861}"/>
+                <a16:creationId xmlns:a16="http://schemas.microsoft.com/office/drawing/2014/main" xmlns="" id="{70F595E1-C910-3710-90E9-AF5FFCE05861}"/>
               </a:ext>
               <a:ext uri="{C183D7F6-B498-43B3-948B-1728B52AA6E4}">
-                <adec:decorative xmlns:adec="http://schemas.microsoft.com/office/drawing/2017/decorative" val="1"/>
+                <adec:decorative xmlns:adec="http://schemas.microsoft.com/office/drawing/2017/decorative" xmlns="" val="1"/>
               </a:ext>
             </a:extLst>
           </p:cNvPr>
@@ -13645,10 +13688,10 @@
           <p:cNvPr id="29" name="Freeform 70">
             <a:extLst>
               <a:ext uri="{FF2B5EF4-FFF2-40B4-BE49-F238E27FC236}">
-                <a16:creationId xmlns:a16="http://schemas.microsoft.com/office/drawing/2014/main" id="{AA39EF58-54F1-4AC9-1D83-2E7DEEAAEA6A}"/>
+                <a16:creationId xmlns:a16="http://schemas.microsoft.com/office/drawing/2014/main" xmlns="" id="{AA39EF58-54F1-4AC9-1D83-2E7DEEAAEA6A}"/>
               </a:ext>
               <a:ext uri="{C183D7F6-B498-43B3-948B-1728B52AA6E4}">
-                <adec:decorative xmlns:adec="http://schemas.microsoft.com/office/drawing/2017/decorative" val="1"/>
+                <adec:decorative xmlns:adec="http://schemas.microsoft.com/office/drawing/2017/decorative" xmlns="" val="1"/>
               </a:ext>
             </a:extLst>
           </p:cNvPr>
@@ -13735,10 +13778,10 @@
           <p:cNvPr id="31" name="Freeform 70">
             <a:extLst>
               <a:ext uri="{FF2B5EF4-FFF2-40B4-BE49-F238E27FC236}">
-                <a16:creationId xmlns:a16="http://schemas.microsoft.com/office/drawing/2014/main" id="{0C320934-59CC-4123-C7C1-FEEE89F3045F}"/>
+                <a16:creationId xmlns:a16="http://schemas.microsoft.com/office/drawing/2014/main" xmlns="" id="{0C320934-59CC-4123-C7C1-FEEE89F3045F}"/>
               </a:ext>
               <a:ext uri="{C183D7F6-B498-43B3-948B-1728B52AA6E4}">
-                <adec:decorative xmlns:adec="http://schemas.microsoft.com/office/drawing/2017/decorative" val="1"/>
+                <adec:decorative xmlns:adec="http://schemas.microsoft.com/office/drawing/2017/decorative" xmlns="" val="1"/>
               </a:ext>
             </a:extLst>
           </p:cNvPr>
@@ -13823,10 +13866,10 @@
           <p:cNvPr id="33" name="Image 4">
             <a:extLst>
               <a:ext uri="{FF2B5EF4-FFF2-40B4-BE49-F238E27FC236}">
-                <a16:creationId xmlns:a16="http://schemas.microsoft.com/office/drawing/2014/main" id="{EC46DC71-C12A-96C8-3FE2-AA95AB58B349}"/>
+                <a16:creationId xmlns:a16="http://schemas.microsoft.com/office/drawing/2014/main" xmlns="" id="{EC46DC71-C12A-96C8-3FE2-AA95AB58B349}"/>
               </a:ext>
               <a:ext uri="{C183D7F6-B498-43B3-948B-1728B52AA6E4}">
-                <adec:decorative xmlns:adec="http://schemas.microsoft.com/office/drawing/2017/decorative" val="1"/>
+                <adec:decorative xmlns:adec="http://schemas.microsoft.com/office/drawing/2017/decorative" xmlns="" val="1"/>
               </a:ext>
             </a:extLst>
           </p:cNvPr>
@@ -13953,7 +13996,7 @@
           <p:cNvPr id="13" name="Content Placeholder 3">
             <a:extLst>
               <a:ext uri="{FF2B5EF4-FFF2-40B4-BE49-F238E27FC236}">
-                <a16:creationId xmlns:a16="http://schemas.microsoft.com/office/drawing/2014/main" id="{B20F5EA7-881C-8FB7-EAC9-89C8F2E5865C}"/>
+                <a16:creationId xmlns:a16="http://schemas.microsoft.com/office/drawing/2014/main" xmlns="" id="{B20F5EA7-881C-8FB7-EAC9-89C8F2E5865C}"/>
               </a:ext>
             </a:extLst>
           </p:cNvPr>
@@ -14048,7 +14091,7 @@
           <p:cNvPr id="18" name="Slide Number Placeholder 2">
             <a:extLst>
               <a:ext uri="{FF2B5EF4-FFF2-40B4-BE49-F238E27FC236}">
-                <a16:creationId xmlns:a16="http://schemas.microsoft.com/office/drawing/2014/main" id="{ED7A50D8-0839-EC58-FFBE-315A20995799}"/>
+                <a16:creationId xmlns:a16="http://schemas.microsoft.com/office/drawing/2014/main" xmlns="" id="{ED7A50D8-0839-EC58-FFBE-315A20995799}"/>
               </a:ext>
             </a:extLst>
           </p:cNvPr>
@@ -14087,7 +14130,7 @@
     </p:spTree>
     <p:extLst>
       <p:ext uri="{BB962C8B-B14F-4D97-AF65-F5344CB8AC3E}">
-        <p14:creationId xmlns:p14="http://schemas.microsoft.com/office/powerpoint/2010/main" val="552850918"/>
+        <p14:creationId xmlns:p14="http://schemas.microsoft.com/office/powerpoint/2010/main" xmlns="" val="552850918"/>
       </p:ext>
     </p:extLst>
   </p:cSld>
@@ -14119,7 +14162,7 @@
           <p:cNvPr id="20" name="Title 19">
             <a:extLst>
               <a:ext uri="{FF2B5EF4-FFF2-40B4-BE49-F238E27FC236}">
-                <a16:creationId xmlns:a16="http://schemas.microsoft.com/office/drawing/2014/main" id="{C26B5661-F583-FA44-8353-161B862E69B1}"/>
+                <a16:creationId xmlns:a16="http://schemas.microsoft.com/office/drawing/2014/main" xmlns="" id="{C26B5661-F583-FA44-8353-161B862E69B1}"/>
               </a:ext>
             </a:extLst>
           </p:cNvPr>
@@ -14161,10 +14204,10 @@
           <p:cNvPr id="11" name="Image 0">
             <a:extLst>
               <a:ext uri="{FF2B5EF4-FFF2-40B4-BE49-F238E27FC236}">
-                <a16:creationId xmlns:a16="http://schemas.microsoft.com/office/drawing/2014/main" id="{CD2D664E-6702-6607-A37E-2E996144917C}"/>
+                <a16:creationId xmlns:a16="http://schemas.microsoft.com/office/drawing/2014/main" xmlns="" id="{CD2D664E-6702-6607-A37E-2E996144917C}"/>
               </a:ext>
               <a:ext uri="{C183D7F6-B498-43B3-948B-1728B52AA6E4}">
-                <adec:decorative xmlns:adec="http://schemas.microsoft.com/office/drawing/2017/decorative" val="1"/>
+                <adec:decorative xmlns:adec="http://schemas.microsoft.com/office/drawing/2017/decorative" xmlns="" val="1"/>
               </a:ext>
             </a:extLst>
           </p:cNvPr>
@@ -14254,10 +14297,10 @@
           <p:cNvPr id="13" name="Image 1">
             <a:extLst>
               <a:ext uri="{FF2B5EF4-FFF2-40B4-BE49-F238E27FC236}">
-                <a16:creationId xmlns:a16="http://schemas.microsoft.com/office/drawing/2014/main" id="{951C5737-DF7E-D671-AC74-9E488335BCA2}"/>
+                <a16:creationId xmlns:a16="http://schemas.microsoft.com/office/drawing/2014/main" xmlns="" id="{951C5737-DF7E-D671-AC74-9E488335BCA2}"/>
               </a:ext>
               <a:ext uri="{C183D7F6-B498-43B3-948B-1728B52AA6E4}">
-                <adec:decorative xmlns:adec="http://schemas.microsoft.com/office/drawing/2017/decorative" val="1"/>
+                <adec:decorative xmlns:adec="http://schemas.microsoft.com/office/drawing/2017/decorative" xmlns="" val="1"/>
               </a:ext>
             </a:extLst>
           </p:cNvPr>
@@ -14270,10 +14313,10 @@
           <a:blip r:embed="rId2" cstate="screen">
             <a:extLst>
               <a:ext uri="{28A0092B-C50C-407E-A947-70E740481C1C}">
-                <a14:useLocalDpi xmlns:a14="http://schemas.microsoft.com/office/drawing/2010/main"/>
+                <a14:useLocalDpi xmlns:a14="http://schemas.microsoft.com/office/drawing/2010/main" xmlns=""/>
               </a:ext>
               <a:ext uri="{96DAC541-7B7A-43D3-8B79-37D633B846F1}">
-                <asvg:svgBlip xmlns:asvg="http://schemas.microsoft.com/office/drawing/2016/SVG/main" r:embed="rId3"/>
+                <asvg:svgBlip xmlns:asvg="http://schemas.microsoft.com/office/drawing/2016/SVG/main" xmlns="" r:embed="rId3"/>
               </a:ext>
             </a:extLst>
           </a:blip>
@@ -14295,10 +14338,10 @@
           <p:cNvPr id="39" name="Freeform: Shape 38">
             <a:extLst>
               <a:ext uri="{FF2B5EF4-FFF2-40B4-BE49-F238E27FC236}">
-                <a16:creationId xmlns:a16="http://schemas.microsoft.com/office/drawing/2014/main" id="{F232A1E1-DD38-15EA-6CA1-A84950EC43F0}"/>
+                <a16:creationId xmlns:a16="http://schemas.microsoft.com/office/drawing/2014/main" xmlns="" id="{F232A1E1-DD38-15EA-6CA1-A84950EC43F0}"/>
               </a:ext>
               <a:ext uri="{C183D7F6-B498-43B3-948B-1728B52AA6E4}">
-                <adec:decorative xmlns:adec="http://schemas.microsoft.com/office/drawing/2017/decorative" val="1"/>
+                <adec:decorative xmlns:adec="http://schemas.microsoft.com/office/drawing/2017/decorative" xmlns="" val="1"/>
               </a:ext>
             </a:extLst>
           </p:cNvPr>
@@ -15152,10 +15195,10 @@
           <p:cNvPr id="17" name="Image 5">
             <a:extLst>
               <a:ext uri="{FF2B5EF4-FFF2-40B4-BE49-F238E27FC236}">
-                <a16:creationId xmlns:a16="http://schemas.microsoft.com/office/drawing/2014/main" id="{B9036D42-A06F-E6EE-BB91-8BAF045198BE}"/>
+                <a16:creationId xmlns:a16="http://schemas.microsoft.com/office/drawing/2014/main" xmlns="" id="{B9036D42-A06F-E6EE-BB91-8BAF045198BE}"/>
               </a:ext>
               <a:ext uri="{C183D7F6-B498-43B3-948B-1728B52AA6E4}">
-                <adec:decorative xmlns:adec="http://schemas.microsoft.com/office/drawing/2017/decorative" val="1"/>
+                <adec:decorative xmlns:adec="http://schemas.microsoft.com/office/drawing/2017/decorative" xmlns="" val="1"/>
               </a:ext>
             </a:extLst>
           </p:cNvPr>
@@ -15253,10 +15296,10 @@
           <p:cNvPr id="19" name="Image 6">
             <a:extLst>
               <a:ext uri="{FF2B5EF4-FFF2-40B4-BE49-F238E27FC236}">
-                <a16:creationId xmlns:a16="http://schemas.microsoft.com/office/drawing/2014/main" id="{86E0540C-3355-A50D-AC61-047B54B70C64}"/>
+                <a16:creationId xmlns:a16="http://schemas.microsoft.com/office/drawing/2014/main" xmlns="" id="{86E0540C-3355-A50D-AC61-047B54B70C64}"/>
               </a:ext>
               <a:ext uri="{C183D7F6-B498-43B3-948B-1728B52AA6E4}">
-                <adec:decorative xmlns:adec="http://schemas.microsoft.com/office/drawing/2017/decorative" val="1"/>
+                <adec:decorative xmlns:adec="http://schemas.microsoft.com/office/drawing/2017/decorative" xmlns="" val="1"/>
               </a:ext>
             </a:extLst>
           </p:cNvPr>
@@ -15269,10 +15312,10 @@
           <a:blip r:embed="rId4" cstate="screen">
             <a:extLst>
               <a:ext uri="{28A0092B-C50C-407E-A947-70E740481C1C}">
-                <a14:useLocalDpi xmlns:a14="http://schemas.microsoft.com/office/drawing/2010/main"/>
+                <a14:useLocalDpi xmlns:a14="http://schemas.microsoft.com/office/drawing/2010/main" xmlns=""/>
               </a:ext>
               <a:ext uri="{96DAC541-7B7A-43D3-8B79-37D633B846F1}">
-                <asvg:svgBlip xmlns:asvg="http://schemas.microsoft.com/office/drawing/2016/SVG/main" r:embed="rId5"/>
+                <asvg:svgBlip xmlns:asvg="http://schemas.microsoft.com/office/drawing/2016/SVG/main" xmlns="" r:embed="rId5"/>
               </a:ext>
             </a:extLst>
           </a:blip>
@@ -15294,7 +15337,7 @@
           <p:cNvPr id="16" name="Slide Number Placeholder 2">
             <a:extLst>
               <a:ext uri="{FF2B5EF4-FFF2-40B4-BE49-F238E27FC236}">
-                <a16:creationId xmlns:a16="http://schemas.microsoft.com/office/drawing/2014/main" id="{B00F713C-1CC6-5879-0410-95F179D56AD2}"/>
+                <a16:creationId xmlns:a16="http://schemas.microsoft.com/office/drawing/2014/main" xmlns="" id="{B00F713C-1CC6-5879-0410-95F179D56AD2}"/>
               </a:ext>
             </a:extLst>
           </p:cNvPr>
@@ -15335,7 +15378,7 @@
           <p:cNvPr id="2" name="Content Placeholder 2">
             <a:extLst>
               <a:ext uri="{FF2B5EF4-FFF2-40B4-BE49-F238E27FC236}">
-                <a16:creationId xmlns:a16="http://schemas.microsoft.com/office/drawing/2014/main" id="{8E40D3F2-4A7A-F909-AC98-0B402B26776E}"/>
+                <a16:creationId xmlns:a16="http://schemas.microsoft.com/office/drawing/2014/main" xmlns="" id="{8E40D3F2-4A7A-F909-AC98-0B402B26776E}"/>
               </a:ext>
             </a:extLst>
           </p:cNvPr>
@@ -15412,7 +15455,7 @@
     </p:spTree>
     <p:extLst>
       <p:ext uri="{BB962C8B-B14F-4D97-AF65-F5344CB8AC3E}">
-        <p14:creationId xmlns:p14="http://schemas.microsoft.com/office/powerpoint/2010/main" val="3116296531"/>
+        <p14:creationId xmlns:p14="http://schemas.microsoft.com/office/powerpoint/2010/main" xmlns="" val="3116296531"/>
       </p:ext>
     </p:extLst>
   </p:cSld>
@@ -15444,10 +15487,10 @@
           <p:cNvPr id="27" name="Freeform 26">
             <a:extLst>
               <a:ext uri="{FF2B5EF4-FFF2-40B4-BE49-F238E27FC236}">
-                <a16:creationId xmlns:a16="http://schemas.microsoft.com/office/drawing/2014/main" id="{3C7B0BB3-A5CA-7C72-DC39-AD00EC90964C}"/>
+                <a16:creationId xmlns:a16="http://schemas.microsoft.com/office/drawing/2014/main" xmlns="" id="{3C7B0BB3-A5CA-7C72-DC39-AD00EC90964C}"/>
               </a:ext>
               <a:ext uri="{C183D7F6-B498-43B3-948B-1728B52AA6E4}">
-                <adec:decorative xmlns:adec="http://schemas.microsoft.com/office/drawing/2017/decorative" val="1"/>
+                <adec:decorative xmlns:adec="http://schemas.microsoft.com/office/drawing/2017/decorative" xmlns="" val="1"/>
               </a:ext>
             </a:extLst>
           </p:cNvPr>
@@ -15535,10 +15578,10 @@
           <p:cNvPr id="18" name="Freeform 17">
             <a:extLst>
               <a:ext uri="{FF2B5EF4-FFF2-40B4-BE49-F238E27FC236}">
-                <a16:creationId xmlns:a16="http://schemas.microsoft.com/office/drawing/2014/main" id="{07871527-68A5-0A5C-F5A6-A80523BAC92F}"/>
+                <a16:creationId xmlns:a16="http://schemas.microsoft.com/office/drawing/2014/main" xmlns="" id="{07871527-68A5-0A5C-F5A6-A80523BAC92F}"/>
               </a:ext>
               <a:ext uri="{C183D7F6-B498-43B3-948B-1728B52AA6E4}">
-                <adec:decorative xmlns:adec="http://schemas.microsoft.com/office/drawing/2017/decorative" val="1"/>
+                <adec:decorative xmlns:adec="http://schemas.microsoft.com/office/drawing/2017/decorative" xmlns="" val="1"/>
               </a:ext>
             </a:extLst>
           </p:cNvPr>
@@ -15626,10 +15669,10 @@
           <p:cNvPr id="14" name="Freeform 13">
             <a:extLst>
               <a:ext uri="{FF2B5EF4-FFF2-40B4-BE49-F238E27FC236}">
-                <a16:creationId xmlns:a16="http://schemas.microsoft.com/office/drawing/2014/main" id="{CEB118B3-9B06-AD11-738A-7A0651F98B7E}"/>
+                <a16:creationId xmlns:a16="http://schemas.microsoft.com/office/drawing/2014/main" xmlns="" id="{CEB118B3-9B06-AD11-738A-7A0651F98B7E}"/>
               </a:ext>
               <a:ext uri="{C183D7F6-B498-43B3-948B-1728B52AA6E4}">
-                <adec:decorative xmlns:adec="http://schemas.microsoft.com/office/drawing/2017/decorative" val="1"/>
+                <adec:decorative xmlns:adec="http://schemas.microsoft.com/office/drawing/2017/decorative" xmlns="" val="1"/>
               </a:ext>
             </a:extLst>
           </p:cNvPr>
@@ -15717,10 +15760,10 @@
           <p:cNvPr id="16" name="Freeform 15">
             <a:extLst>
               <a:ext uri="{FF2B5EF4-FFF2-40B4-BE49-F238E27FC236}">
-                <a16:creationId xmlns:a16="http://schemas.microsoft.com/office/drawing/2014/main" id="{0EA94262-504E-06F2-F383-E832C37B1250}"/>
+                <a16:creationId xmlns:a16="http://schemas.microsoft.com/office/drawing/2014/main" xmlns="" id="{0EA94262-504E-06F2-F383-E832C37B1250}"/>
               </a:ext>
               <a:ext uri="{C183D7F6-B498-43B3-948B-1728B52AA6E4}">
-                <adec:decorative xmlns:adec="http://schemas.microsoft.com/office/drawing/2017/decorative" val="1"/>
+                <adec:decorative xmlns:adec="http://schemas.microsoft.com/office/drawing/2017/decorative" xmlns="" val="1"/>
               </a:ext>
             </a:extLst>
           </p:cNvPr>
@@ -15808,7 +15851,7 @@
           <p:cNvPr id="20" name="Title 19">
             <a:extLst>
               <a:ext uri="{FF2B5EF4-FFF2-40B4-BE49-F238E27FC236}">
-                <a16:creationId xmlns:a16="http://schemas.microsoft.com/office/drawing/2014/main" id="{C26B5661-F583-FA44-8353-161B862E69B1}"/>
+                <a16:creationId xmlns:a16="http://schemas.microsoft.com/office/drawing/2014/main" xmlns="" id="{C26B5661-F583-FA44-8353-161B862E69B1}"/>
               </a:ext>
             </a:extLst>
           </p:cNvPr>
@@ -15850,7 +15893,7 @@
           <p:cNvPr id="19" name="Slide Number Placeholder 2">
             <a:extLst>
               <a:ext uri="{FF2B5EF4-FFF2-40B4-BE49-F238E27FC236}">
-                <a16:creationId xmlns:a16="http://schemas.microsoft.com/office/drawing/2014/main" id="{BFBCB81C-7599-87A1-8037-5FB8C374503A}"/>
+                <a16:creationId xmlns:a16="http://schemas.microsoft.com/office/drawing/2014/main" xmlns="" id="{BFBCB81C-7599-87A1-8037-5FB8C374503A}"/>
               </a:ext>
             </a:extLst>
           </p:cNvPr>
@@ -15891,7 +15934,7 @@
           <p:cNvPr id="23" name="Content Placeholder 3">
             <a:extLst>
               <a:ext uri="{FF2B5EF4-FFF2-40B4-BE49-F238E27FC236}">
-                <a16:creationId xmlns:a16="http://schemas.microsoft.com/office/drawing/2014/main" id="{6FF02D51-6992-3FED-2A19-92E5AC564CF4}"/>
+                <a16:creationId xmlns:a16="http://schemas.microsoft.com/office/drawing/2014/main" xmlns="" id="{6FF02D51-6992-3FED-2A19-92E5AC564CF4}"/>
               </a:ext>
             </a:extLst>
           </p:cNvPr>
@@ -15987,7 +16030,7 @@
           <p:cNvPr id="25" name="Content Placeholder 5">
             <a:extLst>
               <a:ext uri="{FF2B5EF4-FFF2-40B4-BE49-F238E27FC236}">
-                <a16:creationId xmlns:a16="http://schemas.microsoft.com/office/drawing/2014/main" id="{C2762372-3C12-61F8-F131-E4C08A2B1735}"/>
+                <a16:creationId xmlns:a16="http://schemas.microsoft.com/office/drawing/2014/main" xmlns="" id="{C2762372-3C12-61F8-F131-E4C08A2B1735}"/>
               </a:ext>
             </a:extLst>
           </p:cNvPr>
@@ -16081,7 +16124,7 @@
     </p:spTree>
     <p:extLst>
       <p:ext uri="{BB962C8B-B14F-4D97-AF65-F5344CB8AC3E}">
-        <p14:creationId xmlns:p14="http://schemas.microsoft.com/office/powerpoint/2010/main" val="1686733275"/>
+        <p14:creationId xmlns:p14="http://schemas.microsoft.com/office/powerpoint/2010/main" xmlns="" val="1686733275"/>
       </p:ext>
     </p:extLst>
   </p:cSld>
@@ -16113,10 +16156,10 @@
           <p:cNvPr id="33" name="Rectangle 32">
             <a:extLst>
               <a:ext uri="{FF2B5EF4-FFF2-40B4-BE49-F238E27FC236}">
-                <a16:creationId xmlns:a16="http://schemas.microsoft.com/office/drawing/2014/main" id="{376CF4B8-1811-BD21-43A7-560AC4724F3B}"/>
+                <a16:creationId xmlns:a16="http://schemas.microsoft.com/office/drawing/2014/main" xmlns="" id="{376CF4B8-1811-BD21-43A7-560AC4724F3B}"/>
               </a:ext>
               <a:ext uri="{C183D7F6-B498-43B3-948B-1728B52AA6E4}">
-                <adec:decorative xmlns:adec="http://schemas.microsoft.com/office/drawing/2017/decorative" val="1"/>
+                <adec:decorative xmlns:adec="http://schemas.microsoft.com/office/drawing/2017/decorative" xmlns="" val="1"/>
               </a:ext>
             </a:extLst>
           </p:cNvPr>
@@ -16170,10 +16213,10 @@
           <p:cNvPr id="34" name="Rectangle 33">
             <a:extLst>
               <a:ext uri="{FF2B5EF4-FFF2-40B4-BE49-F238E27FC236}">
-                <a16:creationId xmlns:a16="http://schemas.microsoft.com/office/drawing/2014/main" id="{30B7B4F0-D3BC-63DF-6429-F771BE5A3270}"/>
+                <a16:creationId xmlns:a16="http://schemas.microsoft.com/office/drawing/2014/main" xmlns="" id="{30B7B4F0-D3BC-63DF-6429-F771BE5A3270}"/>
               </a:ext>
               <a:ext uri="{C183D7F6-B498-43B3-948B-1728B52AA6E4}">
-                <adec:decorative xmlns:adec="http://schemas.microsoft.com/office/drawing/2017/decorative" val="1"/>
+                <adec:decorative xmlns:adec="http://schemas.microsoft.com/office/drawing/2017/decorative" xmlns="" val="1"/>
               </a:ext>
             </a:extLst>
           </p:cNvPr>
@@ -16225,7 +16268,7 @@
           <p:cNvPr id="2" name="Title 1">
             <a:extLst>
               <a:ext uri="{FF2B5EF4-FFF2-40B4-BE49-F238E27FC236}">
-                <a16:creationId xmlns:a16="http://schemas.microsoft.com/office/drawing/2014/main" id="{A65C6DDD-D2BB-0153-0F53-9F7C17BDFD2B}"/>
+                <a16:creationId xmlns:a16="http://schemas.microsoft.com/office/drawing/2014/main" xmlns="" id="{A65C6DDD-D2BB-0153-0F53-9F7C17BDFD2B}"/>
               </a:ext>
             </a:extLst>
           </p:cNvPr>
@@ -16269,7 +16312,7 @@
           <p:cNvPr id="5" name="Content Placeholder 2">
             <a:extLst>
               <a:ext uri="{FF2B5EF4-FFF2-40B4-BE49-F238E27FC236}">
-                <a16:creationId xmlns:a16="http://schemas.microsoft.com/office/drawing/2014/main" id="{0AADE444-940A-5A34-8C49-4F15BC33EEC7}"/>
+                <a16:creationId xmlns:a16="http://schemas.microsoft.com/office/drawing/2014/main" xmlns="" id="{0AADE444-940A-5A34-8C49-4F15BC33EEC7}"/>
               </a:ext>
             </a:extLst>
           </p:cNvPr>
@@ -16365,7 +16408,7 @@
           <p:cNvPr id="3" name="Content Placeholder 2">
             <a:extLst>
               <a:ext uri="{FF2B5EF4-FFF2-40B4-BE49-F238E27FC236}">
-                <a16:creationId xmlns:a16="http://schemas.microsoft.com/office/drawing/2014/main" id="{97A79FCB-9A9F-6B60-A95C-FCF020598DE3}"/>
+                <a16:creationId xmlns:a16="http://schemas.microsoft.com/office/drawing/2014/main" xmlns="" id="{97A79FCB-9A9F-6B60-A95C-FCF020598DE3}"/>
               </a:ext>
             </a:extLst>
           </p:cNvPr>
@@ -16461,7 +16504,7 @@
           <p:cNvPr id="31" name="Picture Placeholder 30">
             <a:extLst>
               <a:ext uri="{FF2B5EF4-FFF2-40B4-BE49-F238E27FC236}">
-                <a16:creationId xmlns:a16="http://schemas.microsoft.com/office/drawing/2014/main" id="{2912B88E-830A-AD4C-378F-46EF5F77950C}"/>
+                <a16:creationId xmlns:a16="http://schemas.microsoft.com/office/drawing/2014/main" xmlns="" id="{2912B88E-830A-AD4C-378F-46EF5F77950C}"/>
               </a:ext>
             </a:extLst>
           </p:cNvPr>
@@ -16661,10 +16704,10 @@
           <p:cNvPr id="32" name="Group 31">
             <a:extLst>
               <a:ext uri="{FF2B5EF4-FFF2-40B4-BE49-F238E27FC236}">
-                <a16:creationId xmlns:a16="http://schemas.microsoft.com/office/drawing/2014/main" id="{B9152F76-E42E-3D76-6BDB-2FA0D69216AD}"/>
+                <a16:creationId xmlns:a16="http://schemas.microsoft.com/office/drawing/2014/main" xmlns="" id="{B9152F76-E42E-3D76-6BDB-2FA0D69216AD}"/>
               </a:ext>
               <a:ext uri="{C183D7F6-B498-43B3-948B-1728B52AA6E4}">
-                <adec:decorative xmlns:adec="http://schemas.microsoft.com/office/drawing/2017/decorative" val="1"/>
+                <adec:decorative xmlns:adec="http://schemas.microsoft.com/office/drawing/2017/decorative" xmlns="" val="1"/>
               </a:ext>
             </a:extLst>
           </p:cNvPr>
@@ -16684,10 +16727,10 @@
             <p:cNvPr id="20" name="Freeform: Shape 28">
               <a:extLst>
                 <a:ext uri="{FF2B5EF4-FFF2-40B4-BE49-F238E27FC236}">
-                  <a16:creationId xmlns:a16="http://schemas.microsoft.com/office/drawing/2014/main" id="{ED0348C7-D83F-0AD7-2539-41219A795693}"/>
+                  <a16:creationId xmlns:a16="http://schemas.microsoft.com/office/drawing/2014/main" xmlns="" id="{ED0348C7-D83F-0AD7-2539-41219A795693}"/>
                 </a:ext>
                 <a:ext uri="{C183D7F6-B498-43B3-948B-1728B52AA6E4}">
-                  <adec:decorative xmlns:adec="http://schemas.microsoft.com/office/drawing/2017/decorative" val="1"/>
+                  <adec:decorative xmlns:adec="http://schemas.microsoft.com/office/drawing/2017/decorative" xmlns="" val="1"/>
                 </a:ext>
               </a:extLst>
             </p:cNvPr>
@@ -16807,10 +16850,10 @@
             <p:cNvPr id="21" name="Freeform: Shape 25">
               <a:extLst>
                 <a:ext uri="{FF2B5EF4-FFF2-40B4-BE49-F238E27FC236}">
-                  <a16:creationId xmlns:a16="http://schemas.microsoft.com/office/drawing/2014/main" id="{E911AA2D-BE77-278D-CD2E-2EB3E180F3B8}"/>
+                  <a16:creationId xmlns:a16="http://schemas.microsoft.com/office/drawing/2014/main" xmlns="" id="{E911AA2D-BE77-278D-CD2E-2EB3E180F3B8}"/>
                 </a:ext>
                 <a:ext uri="{C183D7F6-B498-43B3-948B-1728B52AA6E4}">
-                  <adec:decorative xmlns:adec="http://schemas.microsoft.com/office/drawing/2017/decorative" val="1"/>
+                  <adec:decorative xmlns:adec="http://schemas.microsoft.com/office/drawing/2017/decorative" xmlns="" val="1"/>
                 </a:ext>
               </a:extLst>
             </p:cNvPr>
@@ -16908,10 +16951,10 @@
             <p:cNvPr id="22" name="Freeform: Shape 15">
               <a:extLst>
                 <a:ext uri="{FF2B5EF4-FFF2-40B4-BE49-F238E27FC236}">
-                  <a16:creationId xmlns:a16="http://schemas.microsoft.com/office/drawing/2014/main" id="{B6CE0BA6-C0FD-AC39-6C31-8477E0CAFDB0}"/>
+                  <a16:creationId xmlns:a16="http://schemas.microsoft.com/office/drawing/2014/main" xmlns="" id="{B6CE0BA6-C0FD-AC39-6C31-8477E0CAFDB0}"/>
                 </a:ext>
                 <a:ext uri="{C183D7F6-B498-43B3-948B-1728B52AA6E4}">
-                  <adec:decorative xmlns:adec="http://schemas.microsoft.com/office/drawing/2017/decorative" val="1"/>
+                  <adec:decorative xmlns:adec="http://schemas.microsoft.com/office/drawing/2017/decorative" xmlns="" val="1"/>
                 </a:ext>
               </a:extLst>
             </p:cNvPr>
@@ -17009,10 +17052,10 @@
             <p:cNvPr id="23" name="Image 2">
               <a:extLst>
                 <a:ext uri="{FF2B5EF4-FFF2-40B4-BE49-F238E27FC236}">
-                  <a16:creationId xmlns:a16="http://schemas.microsoft.com/office/drawing/2014/main" id="{666AD1A4-36DE-12F3-BB78-BA678A59572C}"/>
+                  <a16:creationId xmlns:a16="http://schemas.microsoft.com/office/drawing/2014/main" xmlns="" id="{666AD1A4-36DE-12F3-BB78-BA678A59572C}"/>
                 </a:ext>
                 <a:ext uri="{C183D7F6-B498-43B3-948B-1728B52AA6E4}">
-                  <adec:decorative xmlns:adec="http://schemas.microsoft.com/office/drawing/2017/decorative" val="1"/>
+                  <adec:decorative xmlns:adec="http://schemas.microsoft.com/office/drawing/2017/decorative" xmlns="" val="1"/>
                 </a:ext>
               </a:extLst>
             </p:cNvPr>
@@ -17109,7 +17152,7 @@
           <p:cNvPr id="44" name="Slide Number Placeholder 2">
             <a:extLst>
               <a:ext uri="{FF2B5EF4-FFF2-40B4-BE49-F238E27FC236}">
-                <a16:creationId xmlns:a16="http://schemas.microsoft.com/office/drawing/2014/main" id="{79071EEC-EAD1-8B22-009A-68E74589AA8D}"/>
+                <a16:creationId xmlns:a16="http://schemas.microsoft.com/office/drawing/2014/main" xmlns="" id="{79071EEC-EAD1-8B22-009A-68E74589AA8D}"/>
               </a:ext>
             </a:extLst>
           </p:cNvPr>
@@ -17148,7 +17191,7 @@
     </p:spTree>
     <p:extLst>
       <p:ext uri="{BB962C8B-B14F-4D97-AF65-F5344CB8AC3E}">
-        <p14:creationId xmlns:p14="http://schemas.microsoft.com/office/powerpoint/2010/main" val="3183620452"/>
+        <p14:creationId xmlns:p14="http://schemas.microsoft.com/office/powerpoint/2010/main" xmlns="" val="3183620452"/>
       </p:ext>
     </p:extLst>
   </p:cSld>
@@ -17180,10 +17223,10 @@
           <p:cNvPr id="5" name="Freeform 4">
             <a:extLst>
               <a:ext uri="{FF2B5EF4-FFF2-40B4-BE49-F238E27FC236}">
-                <a16:creationId xmlns:a16="http://schemas.microsoft.com/office/drawing/2014/main" id="{28259CF0-6BC5-3693-6F49-C4489C07C317}"/>
+                <a16:creationId xmlns:a16="http://schemas.microsoft.com/office/drawing/2014/main" xmlns="" id="{28259CF0-6BC5-3693-6F49-C4489C07C317}"/>
               </a:ext>
               <a:ext uri="{C183D7F6-B498-43B3-948B-1728B52AA6E4}">
-                <adec:decorative xmlns:adec="http://schemas.microsoft.com/office/drawing/2017/decorative" val="1"/>
+                <adec:decorative xmlns:adec="http://schemas.microsoft.com/office/drawing/2017/decorative" xmlns="" val="1"/>
               </a:ext>
             </a:extLst>
           </p:cNvPr>
@@ -17267,10 +17310,10 @@
           <p:cNvPr id="26" name="Image 4">
             <a:extLst>
               <a:ext uri="{FF2B5EF4-FFF2-40B4-BE49-F238E27FC236}">
-                <a16:creationId xmlns:a16="http://schemas.microsoft.com/office/drawing/2014/main" id="{9019DA73-2516-F3D2-ECDB-620C90483DB3}"/>
+                <a16:creationId xmlns:a16="http://schemas.microsoft.com/office/drawing/2014/main" xmlns="" id="{9019DA73-2516-F3D2-ECDB-620C90483DB3}"/>
               </a:ext>
               <a:ext uri="{C183D7F6-B498-43B3-948B-1728B52AA6E4}">
-                <adec:decorative xmlns:adec="http://schemas.microsoft.com/office/drawing/2017/decorative" val="1"/>
+                <adec:decorative xmlns:adec="http://schemas.microsoft.com/office/drawing/2017/decorative" xmlns="" val="1"/>
               </a:ext>
             </a:extLst>
           </p:cNvPr>
@@ -17352,10 +17395,10 @@
           <p:cNvPr id="14" name="Freeform 13">
             <a:extLst>
               <a:ext uri="{FF2B5EF4-FFF2-40B4-BE49-F238E27FC236}">
-                <a16:creationId xmlns:a16="http://schemas.microsoft.com/office/drawing/2014/main" id="{5665DA82-D253-8EC5-5DFB-F0266ED9FBB4}"/>
+                <a16:creationId xmlns:a16="http://schemas.microsoft.com/office/drawing/2014/main" xmlns="" id="{5665DA82-D253-8EC5-5DFB-F0266ED9FBB4}"/>
               </a:ext>
               <a:ext uri="{C183D7F6-B498-43B3-948B-1728B52AA6E4}">
-                <adec:decorative xmlns:adec="http://schemas.microsoft.com/office/drawing/2017/decorative" val="1"/>
+                <adec:decorative xmlns:adec="http://schemas.microsoft.com/office/drawing/2017/decorative" xmlns="" val="1"/>
               </a:ext>
             </a:extLst>
           </p:cNvPr>
@@ -17441,10 +17484,10 @@
           <p:cNvPr id="21" name="Image 2">
             <a:extLst>
               <a:ext uri="{FF2B5EF4-FFF2-40B4-BE49-F238E27FC236}">
-                <a16:creationId xmlns:a16="http://schemas.microsoft.com/office/drawing/2014/main" id="{A8B7F1F1-806C-8D65-7340-220A0C4653C8}"/>
+                <a16:creationId xmlns:a16="http://schemas.microsoft.com/office/drawing/2014/main" xmlns="" id="{A8B7F1F1-806C-8D65-7340-220A0C4653C8}"/>
               </a:ext>
               <a:ext uri="{C183D7F6-B498-43B3-948B-1728B52AA6E4}">
-                <adec:decorative xmlns:adec="http://schemas.microsoft.com/office/drawing/2017/decorative" val="1"/>
+                <adec:decorative xmlns:adec="http://schemas.microsoft.com/office/drawing/2017/decorative" xmlns="" val="1"/>
               </a:ext>
             </a:extLst>
           </p:cNvPr>
@@ -17457,10 +17500,10 @@
           <a:blip r:embed="rId2" cstate="screen">
             <a:extLst>
               <a:ext uri="{28A0092B-C50C-407E-A947-70E740481C1C}">
-                <a14:useLocalDpi xmlns:a14="http://schemas.microsoft.com/office/drawing/2010/main"/>
+                <a14:useLocalDpi xmlns:a14="http://schemas.microsoft.com/office/drawing/2010/main" xmlns=""/>
               </a:ext>
               <a:ext uri="{96DAC541-7B7A-43D3-8B79-37D633B846F1}">
-                <asvg:svgBlip xmlns:asvg="http://schemas.microsoft.com/office/drawing/2016/SVG/main" r:embed="rId3"/>
+                <asvg:svgBlip xmlns:asvg="http://schemas.microsoft.com/office/drawing/2016/SVG/main" xmlns="" r:embed="rId3"/>
               </a:ext>
             </a:extLst>
           </a:blip>
@@ -17482,10 +17525,10 @@
           <p:cNvPr id="12" name="Freeform 11">
             <a:extLst>
               <a:ext uri="{FF2B5EF4-FFF2-40B4-BE49-F238E27FC236}">
-                <a16:creationId xmlns:a16="http://schemas.microsoft.com/office/drawing/2014/main" id="{E76518D4-6149-BA03-3BE5-6A13A792C115}"/>
+                <a16:creationId xmlns:a16="http://schemas.microsoft.com/office/drawing/2014/main" xmlns="" id="{E76518D4-6149-BA03-3BE5-6A13A792C115}"/>
               </a:ext>
               <a:ext uri="{C183D7F6-B498-43B3-948B-1728B52AA6E4}">
-                <adec:decorative xmlns:adec="http://schemas.microsoft.com/office/drawing/2017/decorative" val="1"/>
+                <adec:decorative xmlns:adec="http://schemas.microsoft.com/office/drawing/2017/decorative" xmlns="" val="1"/>
               </a:ext>
             </a:extLst>
           </p:cNvPr>
@@ -17624,7 +17667,7 @@
           <p:cNvPr id="30" name="Content Placeholder 2">
             <a:extLst>
               <a:ext uri="{FF2B5EF4-FFF2-40B4-BE49-F238E27FC236}">
-                <a16:creationId xmlns:a16="http://schemas.microsoft.com/office/drawing/2014/main" id="{58F56A7F-403C-059D-4B58-A8D59888A158}"/>
+                <a16:creationId xmlns:a16="http://schemas.microsoft.com/office/drawing/2014/main" xmlns="" id="{58F56A7F-403C-059D-4B58-A8D59888A158}"/>
               </a:ext>
             </a:extLst>
           </p:cNvPr>
@@ -17703,7 +17746,7 @@
           <p:cNvPr id="10" name="Picture Placeholder 9">
             <a:extLst>
               <a:ext uri="{FF2B5EF4-FFF2-40B4-BE49-F238E27FC236}">
-                <a16:creationId xmlns:a16="http://schemas.microsoft.com/office/drawing/2014/main" id="{0723BF40-731C-2A5B-FC2F-B59DEF431C66}"/>
+                <a16:creationId xmlns:a16="http://schemas.microsoft.com/office/drawing/2014/main" xmlns="" id="{0723BF40-731C-2A5B-FC2F-B59DEF431C66}"/>
               </a:ext>
             </a:extLst>
           </p:cNvPr>
@@ -17747,7 +17790,7 @@
           <p:cNvPr id="20" name="Slide Number Placeholder 2">
             <a:extLst>
               <a:ext uri="{FF2B5EF4-FFF2-40B4-BE49-F238E27FC236}">
-                <a16:creationId xmlns:a16="http://schemas.microsoft.com/office/drawing/2014/main" id="{3ACD3A33-D8A4-7058-9798-30967E3EFD39}"/>
+                <a16:creationId xmlns:a16="http://schemas.microsoft.com/office/drawing/2014/main" xmlns="" id="{3ACD3A33-D8A4-7058-9798-30967E3EFD39}"/>
               </a:ext>
             </a:extLst>
           </p:cNvPr>
@@ -17786,7 +17829,7 @@
     </p:spTree>
     <p:extLst>
       <p:ext uri="{BB962C8B-B14F-4D97-AF65-F5344CB8AC3E}">
-        <p14:creationId xmlns:p14="http://schemas.microsoft.com/office/powerpoint/2010/main" val="2207104535"/>
+        <p14:creationId xmlns:p14="http://schemas.microsoft.com/office/powerpoint/2010/main" xmlns="" val="2207104535"/>
       </p:ext>
     </p:extLst>
   </p:cSld>
@@ -17958,7 +18001,7 @@
     </p:spTree>
     <p:extLst>
       <p:ext uri="{BB962C8B-B14F-4D97-AF65-F5344CB8AC3E}">
-        <p14:creationId xmlns:p14="http://schemas.microsoft.com/office/powerpoint/2010/main" val="154833434"/>
+        <p14:creationId xmlns:p14="http://schemas.microsoft.com/office/powerpoint/2010/main" xmlns="" val="154833434"/>
       </p:ext>
     </p:extLst>
   </p:cSld>
@@ -18288,7 +18331,7 @@
           <p:cNvPr id="2" name="Title 1">
             <a:extLst>
               <a:ext uri="{FF2B5EF4-FFF2-40B4-BE49-F238E27FC236}">
-                <a16:creationId xmlns:a16="http://schemas.microsoft.com/office/drawing/2014/main" id="{4207FF65-A536-F639-8591-ED024C223308}"/>
+                <a16:creationId xmlns:a16="http://schemas.microsoft.com/office/drawing/2014/main" xmlns="" id="{4207FF65-A536-F639-8591-ED024C223308}"/>
               </a:ext>
             </a:extLst>
           </p:cNvPr>
@@ -18326,7 +18369,7 @@
     </p:spTree>
     <p:extLst>
       <p:ext uri="{BB962C8B-B14F-4D97-AF65-F5344CB8AC3E}">
-        <p14:creationId xmlns:p14="http://schemas.microsoft.com/office/powerpoint/2010/main" val="2202437675"/>
+        <p14:creationId xmlns:p14="http://schemas.microsoft.com/office/powerpoint/2010/main" xmlns="" val="2202437675"/>
       </p:ext>
     </p:extLst>
   </p:cSld>
@@ -18358,7 +18401,7 @@
           <p:cNvPr id="5" name="Title 4">
             <a:extLst>
               <a:ext uri="{FF2B5EF4-FFF2-40B4-BE49-F238E27FC236}">
-                <a16:creationId xmlns:a16="http://schemas.microsoft.com/office/drawing/2014/main" id="{2136FCF6-982C-CC37-9625-3EBFC7E7DD13}"/>
+                <a16:creationId xmlns:a16="http://schemas.microsoft.com/office/drawing/2014/main" xmlns="" id="{2136FCF6-982C-CC37-9625-3EBFC7E7DD13}"/>
               </a:ext>
             </a:extLst>
           </p:cNvPr>
@@ -18391,7 +18434,7 @@
           <p:cNvPr id="4" name="Text Placeholder 3">
             <a:extLst>
               <a:ext uri="{FF2B5EF4-FFF2-40B4-BE49-F238E27FC236}">
-                <a16:creationId xmlns:a16="http://schemas.microsoft.com/office/drawing/2014/main" id="{97DCC342-9FD1-7055-EAAC-008DC851B13F}"/>
+                <a16:creationId xmlns:a16="http://schemas.microsoft.com/office/drawing/2014/main" xmlns="" id="{97DCC342-9FD1-7055-EAAC-008DC851B13F}"/>
               </a:ext>
             </a:extLst>
           </p:cNvPr>
@@ -18430,7 +18473,7 @@
           <p:cNvPr id="6" name="Content Placeholder 5">
             <a:extLst>
               <a:ext uri="{FF2B5EF4-FFF2-40B4-BE49-F238E27FC236}">
-                <a16:creationId xmlns:a16="http://schemas.microsoft.com/office/drawing/2014/main" id="{4DB3991E-0605-C20E-53AD-D64E13638DA5}"/>
+                <a16:creationId xmlns:a16="http://schemas.microsoft.com/office/drawing/2014/main" xmlns="" id="{4DB3991E-0605-C20E-53AD-D64E13638DA5}"/>
               </a:ext>
             </a:extLst>
           </p:cNvPr>
@@ -18441,14 +18484,14 @@
             <p:ph sz="half" idx="1"/>
             <p:extLst>
               <p:ext uri="{D42A27DB-BD31-4B8C-83A1-F6EECF244321}">
-                <p14:modId xmlns:p14="http://schemas.microsoft.com/office/powerpoint/2010/main" val="2133818870"/>
+                <p14:modId xmlns:p14="http://schemas.microsoft.com/office/powerpoint/2010/main" xmlns="" val="2133818870"/>
               </p:ext>
             </p:extLst>
           </p:nvPr>
         </p:nvGraphicFramePr>
         <p:xfrm>
           <a:off x="5087938" y="2332038"/>
-          <a:ext cx="6345236" cy="3879279"/>
+          <a:ext cx="6345236" cy="3913230"/>
         </p:xfrm>
         <a:graphic>
           <a:graphicData uri="http://schemas.openxmlformats.org/drawingml/2006/table">
@@ -18460,28 +18503,28 @@
                 <a:gridCol w="2227408">
                   <a:extLst>
                     <a:ext uri="{9D8B030D-6E8A-4147-A177-3AD203B41FA5}">
-                      <a16:colId xmlns:a16="http://schemas.microsoft.com/office/drawing/2014/main" val="180956085"/>
+                      <a16:colId xmlns:a16="http://schemas.microsoft.com/office/drawing/2014/main" xmlns="" val="180956085"/>
                     </a:ext>
                   </a:extLst>
                 </a:gridCol>
                 <a:gridCol w="2227408">
                   <a:extLst>
                     <a:ext uri="{9D8B030D-6E8A-4147-A177-3AD203B41FA5}">
-                      <a16:colId xmlns:a16="http://schemas.microsoft.com/office/drawing/2014/main" val="1180706872"/>
+                      <a16:colId xmlns:a16="http://schemas.microsoft.com/office/drawing/2014/main" xmlns="" val="1180706872"/>
                     </a:ext>
                   </a:extLst>
                 </a:gridCol>
                 <a:gridCol w="945210">
                   <a:extLst>
                     <a:ext uri="{9D8B030D-6E8A-4147-A177-3AD203B41FA5}">
-                      <a16:colId xmlns:a16="http://schemas.microsoft.com/office/drawing/2014/main" val="2050154702"/>
+                      <a16:colId xmlns:a16="http://schemas.microsoft.com/office/drawing/2014/main" xmlns="" val="2050154702"/>
                     </a:ext>
                   </a:extLst>
                 </a:gridCol>
                 <a:gridCol w="945210">
                   <a:extLst>
                     <a:ext uri="{9D8B030D-6E8A-4147-A177-3AD203B41FA5}">
-                      <a16:colId xmlns:a16="http://schemas.microsoft.com/office/drawing/2014/main" val="1872764148"/>
+                      <a16:colId xmlns:a16="http://schemas.microsoft.com/office/drawing/2014/main" xmlns="" val="1872764148"/>
                     </a:ext>
                   </a:extLst>
                 </a:gridCol>
@@ -18557,7 +18600,7 @@
                 </a:tc>
                 <a:extLst>
                   <a:ext uri="{0D108BD9-81ED-4DB2-BD59-A6C34878D82A}">
-                    <a16:rowId xmlns:a16="http://schemas.microsoft.com/office/drawing/2014/main" val="3059142786"/>
+                    <a16:rowId xmlns:a16="http://schemas.microsoft.com/office/drawing/2014/main" xmlns="" val="3059142786"/>
                   </a:ext>
                 </a:extLst>
               </a:tr>
@@ -18632,7 +18675,7 @@
                 </a:tc>
                 <a:extLst>
                   <a:ext uri="{0D108BD9-81ED-4DB2-BD59-A6C34878D82A}">
-                    <a16:rowId xmlns:a16="http://schemas.microsoft.com/office/drawing/2014/main" val="3588576737"/>
+                    <a16:rowId xmlns:a16="http://schemas.microsoft.com/office/drawing/2014/main" xmlns="" val="3588576737"/>
                   </a:ext>
                 </a:extLst>
               </a:tr>
@@ -18707,7 +18750,7 @@
                 </a:tc>
                 <a:extLst>
                   <a:ext uri="{0D108BD9-81ED-4DB2-BD59-A6C34878D82A}">
-                    <a16:rowId xmlns:a16="http://schemas.microsoft.com/office/drawing/2014/main" val="1626410507"/>
+                    <a16:rowId xmlns:a16="http://schemas.microsoft.com/office/drawing/2014/main" xmlns="" val="1626410507"/>
                   </a:ext>
                 </a:extLst>
               </a:tr>
@@ -18782,7 +18825,7 @@
                 </a:tc>
                 <a:extLst>
                   <a:ext uri="{0D108BD9-81ED-4DB2-BD59-A6C34878D82A}">
-                    <a16:rowId xmlns:a16="http://schemas.microsoft.com/office/drawing/2014/main" val="1888116840"/>
+                    <a16:rowId xmlns:a16="http://schemas.microsoft.com/office/drawing/2014/main" xmlns="" val="1888116840"/>
                   </a:ext>
                 </a:extLst>
               </a:tr>
@@ -18857,7 +18900,7 @@
                 </a:tc>
                 <a:extLst>
                   <a:ext uri="{0D108BD9-81ED-4DB2-BD59-A6C34878D82A}">
-                    <a16:rowId xmlns:a16="http://schemas.microsoft.com/office/drawing/2014/main" val="4023592559"/>
+                    <a16:rowId xmlns:a16="http://schemas.microsoft.com/office/drawing/2014/main" xmlns="" val="4023592559"/>
                   </a:ext>
                 </a:extLst>
               </a:tr>
@@ -18932,7 +18975,7 @@
                 </a:tc>
                 <a:extLst>
                   <a:ext uri="{0D108BD9-81ED-4DB2-BD59-A6C34878D82A}">
-                    <a16:rowId xmlns:a16="http://schemas.microsoft.com/office/drawing/2014/main" val="2426564953"/>
+                    <a16:rowId xmlns:a16="http://schemas.microsoft.com/office/drawing/2014/main" xmlns="" val="2426564953"/>
                   </a:ext>
                 </a:extLst>
               </a:tr>
@@ -18945,7 +18988,7 @@
           <p:cNvPr id="2" name="Slide Number Placeholder 1">
             <a:extLst>
               <a:ext uri="{FF2B5EF4-FFF2-40B4-BE49-F238E27FC236}">
-                <a16:creationId xmlns:a16="http://schemas.microsoft.com/office/drawing/2014/main" id="{A913EEC9-16E3-6C86-97D0-A7EC7EA09CDA}"/>
+                <a16:creationId xmlns:a16="http://schemas.microsoft.com/office/drawing/2014/main" xmlns="" id="{A913EEC9-16E3-6C86-97D0-A7EC7EA09CDA}"/>
               </a:ext>
             </a:extLst>
           </p:cNvPr>
@@ -18978,7 +19021,7 @@
     </p:spTree>
     <p:extLst>
       <p:ext uri="{BB962C8B-B14F-4D97-AF65-F5344CB8AC3E}">
-        <p14:creationId xmlns:p14="http://schemas.microsoft.com/office/powerpoint/2010/main" val="3969996159"/>
+        <p14:creationId xmlns:p14="http://schemas.microsoft.com/office/powerpoint/2010/main" xmlns="" val="3969996159"/>
       </p:ext>
     </p:extLst>
   </p:cSld>
@@ -19010,7 +19053,7 @@
           <p:cNvPr id="3" name="Title 2">
             <a:extLst>
               <a:ext uri="{FF2B5EF4-FFF2-40B4-BE49-F238E27FC236}">
-                <a16:creationId xmlns:a16="http://schemas.microsoft.com/office/drawing/2014/main" id="{38D62608-F5E4-7EC0-5EF0-4F988DDDEC5B}"/>
+                <a16:creationId xmlns:a16="http://schemas.microsoft.com/office/drawing/2014/main" xmlns="" id="{38D62608-F5E4-7EC0-5EF0-4F988DDDEC5B}"/>
               </a:ext>
             </a:extLst>
           </p:cNvPr>
@@ -19043,7 +19086,7 @@
           <p:cNvPr id="12" name="Content Placeholder 3">
             <a:extLst>
               <a:ext uri="{FF2B5EF4-FFF2-40B4-BE49-F238E27FC236}">
-                <a16:creationId xmlns:a16="http://schemas.microsoft.com/office/drawing/2014/main" id="{288BD9B8-D6A6-D55A-830D-4D3CC2DC3933}"/>
+                <a16:creationId xmlns:a16="http://schemas.microsoft.com/office/drawing/2014/main" xmlns="" id="{288BD9B8-D6A6-D55A-830D-4D3CC2DC3933}"/>
               </a:ext>
             </a:extLst>
           </p:cNvPr>
@@ -19124,7 +19167,7 @@
           <p:cNvPr id="13" name="Content Placeholder 7">
             <a:extLst>
               <a:ext uri="{FF2B5EF4-FFF2-40B4-BE49-F238E27FC236}">
-                <a16:creationId xmlns:a16="http://schemas.microsoft.com/office/drawing/2014/main" id="{0853098E-C088-D323-4BF2-987893F262F6}"/>
+                <a16:creationId xmlns:a16="http://schemas.microsoft.com/office/drawing/2014/main" xmlns="" id="{0853098E-C088-D323-4BF2-987893F262F6}"/>
               </a:ext>
             </a:extLst>
           </p:cNvPr>
@@ -19181,7 +19224,7 @@
           <p:cNvPr id="2" name="Slide Number Placeholder 1">
             <a:extLst>
               <a:ext uri="{FF2B5EF4-FFF2-40B4-BE49-F238E27FC236}">
-                <a16:creationId xmlns:a16="http://schemas.microsoft.com/office/drawing/2014/main" id="{1DCFAD14-1AAA-8CDA-A49B-523FD6C66F35}"/>
+                <a16:creationId xmlns:a16="http://schemas.microsoft.com/office/drawing/2014/main" xmlns="" id="{1DCFAD14-1AAA-8CDA-A49B-523FD6C66F35}"/>
               </a:ext>
             </a:extLst>
           </p:cNvPr>
@@ -19214,7 +19257,7 @@
     </p:spTree>
     <p:extLst>
       <p:ext uri="{BB962C8B-B14F-4D97-AF65-F5344CB8AC3E}">
-        <p14:creationId xmlns:p14="http://schemas.microsoft.com/office/powerpoint/2010/main" val="2498021601"/>
+        <p14:creationId xmlns:p14="http://schemas.microsoft.com/office/powerpoint/2010/main" xmlns="" val="2498021601"/>
       </p:ext>
     </p:extLst>
   </p:cSld>
@@ -19246,7 +19289,7 @@
           <p:cNvPr id="2" name="Title 1">
             <a:extLst>
               <a:ext uri="{FF2B5EF4-FFF2-40B4-BE49-F238E27FC236}">
-                <a16:creationId xmlns:a16="http://schemas.microsoft.com/office/drawing/2014/main" id="{4730A324-0737-F0DA-1F7D-10CBE06D7C3F}"/>
+                <a16:creationId xmlns:a16="http://schemas.microsoft.com/office/drawing/2014/main" xmlns="" id="{4730A324-0737-F0DA-1F7D-10CBE06D7C3F}"/>
               </a:ext>
             </a:extLst>
           </p:cNvPr>
@@ -19279,7 +19322,7 @@
           <p:cNvPr id="5" name="Content Placeholder 4">
             <a:extLst>
               <a:ext uri="{FF2B5EF4-FFF2-40B4-BE49-F238E27FC236}">
-                <a16:creationId xmlns:a16="http://schemas.microsoft.com/office/drawing/2014/main" id="{AC0C7FF8-9CAF-6C67-C1E5-AF40401D0B3D}"/>
+                <a16:creationId xmlns:a16="http://schemas.microsoft.com/office/drawing/2014/main" xmlns="" id="{AC0C7FF8-9CAF-6C67-C1E5-AF40401D0B3D}"/>
               </a:ext>
             </a:extLst>
           </p:cNvPr>
@@ -19290,7 +19333,7 @@
             <p:ph sz="quarter" idx="4"/>
             <p:extLst>
               <p:ext uri="{D42A27DB-BD31-4B8C-83A1-F6EECF244321}">
-                <p14:modId xmlns:p14="http://schemas.microsoft.com/office/powerpoint/2010/main" val="3999503228"/>
+                <p14:modId xmlns:p14="http://schemas.microsoft.com/office/powerpoint/2010/main" xmlns="" val="3999503228"/>
               </p:ext>
             </p:extLst>
           </p:nvPr>
@@ -19309,28 +19352,28 @@
                 <a:gridCol w="4080076">
                   <a:extLst>
                     <a:ext uri="{9D8B030D-6E8A-4147-A177-3AD203B41FA5}">
-                      <a16:colId xmlns:a16="http://schemas.microsoft.com/office/drawing/2014/main" val="1764027237"/>
+                      <a16:colId xmlns:a16="http://schemas.microsoft.com/office/drawing/2014/main" xmlns="" val="1764027237"/>
                     </a:ext>
                   </a:extLst>
                 </a:gridCol>
                 <a:gridCol w="4080076">
                   <a:extLst>
                     <a:ext uri="{9D8B030D-6E8A-4147-A177-3AD203B41FA5}">
-                      <a16:colId xmlns:a16="http://schemas.microsoft.com/office/drawing/2014/main" val="778914542"/>
+                      <a16:colId xmlns:a16="http://schemas.microsoft.com/office/drawing/2014/main" xmlns="" val="778914542"/>
                     </a:ext>
                   </a:extLst>
                 </a:gridCol>
                 <a:gridCol w="1175342">
                   <a:extLst>
                     <a:ext uri="{9D8B030D-6E8A-4147-A177-3AD203B41FA5}">
-                      <a16:colId xmlns:a16="http://schemas.microsoft.com/office/drawing/2014/main" val="4233386372"/>
+                      <a16:colId xmlns:a16="http://schemas.microsoft.com/office/drawing/2014/main" xmlns="" val="4233386372"/>
                     </a:ext>
                   </a:extLst>
                 </a:gridCol>
                 <a:gridCol w="1175342">
                   <a:extLst>
                     <a:ext uri="{9D8B030D-6E8A-4147-A177-3AD203B41FA5}">
-                      <a16:colId xmlns:a16="http://schemas.microsoft.com/office/drawing/2014/main" val="1626524931"/>
+                      <a16:colId xmlns:a16="http://schemas.microsoft.com/office/drawing/2014/main" xmlns="" val="1626524931"/>
                     </a:ext>
                   </a:extLst>
                 </a:gridCol>
@@ -19390,7 +19433,7 @@
                 </a:tc>
                 <a:extLst>
                   <a:ext uri="{0D108BD9-81ED-4DB2-BD59-A6C34878D82A}">
-                    <a16:rowId xmlns:a16="http://schemas.microsoft.com/office/drawing/2014/main" val="2865033212"/>
+                    <a16:rowId xmlns:a16="http://schemas.microsoft.com/office/drawing/2014/main" xmlns="" val="2865033212"/>
                   </a:ext>
                 </a:extLst>
               </a:tr>
@@ -19449,7 +19492,7 @@
                 </a:tc>
                 <a:extLst>
                   <a:ext uri="{0D108BD9-81ED-4DB2-BD59-A6C34878D82A}">
-                    <a16:rowId xmlns:a16="http://schemas.microsoft.com/office/drawing/2014/main" val="773796761"/>
+                    <a16:rowId xmlns:a16="http://schemas.microsoft.com/office/drawing/2014/main" xmlns="" val="773796761"/>
                   </a:ext>
                 </a:extLst>
               </a:tr>
@@ -19508,7 +19551,7 @@
                 </a:tc>
                 <a:extLst>
                   <a:ext uri="{0D108BD9-81ED-4DB2-BD59-A6C34878D82A}">
-                    <a16:rowId xmlns:a16="http://schemas.microsoft.com/office/drawing/2014/main" val="1789202252"/>
+                    <a16:rowId xmlns:a16="http://schemas.microsoft.com/office/drawing/2014/main" xmlns="" val="1789202252"/>
                   </a:ext>
                 </a:extLst>
               </a:tr>
@@ -19567,7 +19610,7 @@
                 </a:tc>
                 <a:extLst>
                   <a:ext uri="{0D108BD9-81ED-4DB2-BD59-A6C34878D82A}">
-                    <a16:rowId xmlns:a16="http://schemas.microsoft.com/office/drawing/2014/main" val="2325356481"/>
+                    <a16:rowId xmlns:a16="http://schemas.microsoft.com/office/drawing/2014/main" xmlns="" val="2325356481"/>
                   </a:ext>
                 </a:extLst>
               </a:tr>
@@ -19626,7 +19669,7 @@
                 </a:tc>
                 <a:extLst>
                   <a:ext uri="{0D108BD9-81ED-4DB2-BD59-A6C34878D82A}">
-                    <a16:rowId xmlns:a16="http://schemas.microsoft.com/office/drawing/2014/main" val="3322085491"/>
+                    <a16:rowId xmlns:a16="http://schemas.microsoft.com/office/drawing/2014/main" xmlns="" val="3322085491"/>
                   </a:ext>
                 </a:extLst>
               </a:tr>
@@ -19685,7 +19728,7 @@
                 </a:tc>
                 <a:extLst>
                   <a:ext uri="{0D108BD9-81ED-4DB2-BD59-A6C34878D82A}">
-                    <a16:rowId xmlns:a16="http://schemas.microsoft.com/office/drawing/2014/main" val="2682318458"/>
+                    <a16:rowId xmlns:a16="http://schemas.microsoft.com/office/drawing/2014/main" xmlns="" val="2682318458"/>
                   </a:ext>
                 </a:extLst>
               </a:tr>
@@ -19698,7 +19741,7 @@
           <p:cNvPr id="3" name="Slide Number Placeholder 2">
             <a:extLst>
               <a:ext uri="{FF2B5EF4-FFF2-40B4-BE49-F238E27FC236}">
-                <a16:creationId xmlns:a16="http://schemas.microsoft.com/office/drawing/2014/main" id="{AC21286A-7B29-3B58-1636-0F45723890AB}"/>
+                <a16:creationId xmlns:a16="http://schemas.microsoft.com/office/drawing/2014/main" xmlns="" id="{AC21286A-7B29-3B58-1636-0F45723890AB}"/>
               </a:ext>
             </a:extLst>
           </p:cNvPr>
@@ -19731,7 +19774,7 @@
     </p:spTree>
     <p:extLst>
       <p:ext uri="{BB962C8B-B14F-4D97-AF65-F5344CB8AC3E}">
-        <p14:creationId xmlns:p14="http://schemas.microsoft.com/office/powerpoint/2010/main" val="1686213229"/>
+        <p14:creationId xmlns:p14="http://schemas.microsoft.com/office/powerpoint/2010/main" xmlns="" val="1686213229"/>
       </p:ext>
     </p:extLst>
   </p:cSld>
@@ -19763,7 +19806,7 @@
           <p:cNvPr id="2" name="Title 1">
             <a:extLst>
               <a:ext uri="{FF2B5EF4-FFF2-40B4-BE49-F238E27FC236}">
-                <a16:creationId xmlns:a16="http://schemas.microsoft.com/office/drawing/2014/main" id="{509D22C5-0C9E-B582-A8FE-B45E70A01E7F}"/>
+                <a16:creationId xmlns:a16="http://schemas.microsoft.com/office/drawing/2014/main" xmlns="" id="{509D22C5-0C9E-B582-A8FE-B45E70A01E7F}"/>
               </a:ext>
             </a:extLst>
           </p:cNvPr>
@@ -19803,7 +19846,7 @@
           <p:cNvPr id="3" name="Subtitle 2">
             <a:extLst>
               <a:ext uri="{FF2B5EF4-FFF2-40B4-BE49-F238E27FC236}">
-                <a16:creationId xmlns:a16="http://schemas.microsoft.com/office/drawing/2014/main" id="{D8B5CEF2-E667-BBB5-2EA6-C06F93B6DE12}"/>
+                <a16:creationId xmlns:a16="http://schemas.microsoft.com/office/drawing/2014/main" xmlns="" id="{D8B5CEF2-E667-BBB5-2EA6-C06F93B6DE12}"/>
               </a:ext>
             </a:extLst>
           </p:cNvPr>
@@ -19852,7 +19895,7 @@
     </p:spTree>
     <p:extLst>
       <p:ext uri="{BB962C8B-B14F-4D97-AF65-F5344CB8AC3E}">
-        <p14:creationId xmlns:p14="http://schemas.microsoft.com/office/powerpoint/2010/main" val="1973173046"/>
+        <p14:creationId xmlns:p14="http://schemas.microsoft.com/office/powerpoint/2010/main" xmlns="" val="1973173046"/>
       </p:ext>
     </p:extLst>
   </p:cSld>
@@ -19884,7 +19927,7 @@
           <p:cNvPr id="2" name="Title 1">
             <a:extLst>
               <a:ext uri="{FF2B5EF4-FFF2-40B4-BE49-F238E27FC236}">
-                <a16:creationId xmlns:a16="http://schemas.microsoft.com/office/drawing/2014/main" id="{13021072-4A77-DB4D-DF41-58EADB7DA94E}"/>
+                <a16:creationId xmlns:a16="http://schemas.microsoft.com/office/drawing/2014/main" xmlns="" id="{13021072-4A77-DB4D-DF41-58EADB7DA94E}"/>
               </a:ext>
             </a:extLst>
           </p:cNvPr>
@@ -19917,7 +19960,7 @@
           <p:cNvPr id="3" name="Content Placeholder 2">
             <a:extLst>
               <a:ext uri="{FF2B5EF4-FFF2-40B4-BE49-F238E27FC236}">
-                <a16:creationId xmlns:a16="http://schemas.microsoft.com/office/drawing/2014/main" id="{D4D22962-3C7F-E480-5C35-7F4860A098E1}"/>
+                <a16:creationId xmlns:a16="http://schemas.microsoft.com/office/drawing/2014/main" xmlns="" id="{D4D22962-3C7F-E480-5C35-7F4860A098E1}"/>
               </a:ext>
             </a:extLst>
           </p:cNvPr>
@@ -19974,7 +20017,7 @@
           <p:cNvPr id="4" name="Slide Number Placeholder 3">
             <a:extLst>
               <a:ext uri="{FF2B5EF4-FFF2-40B4-BE49-F238E27FC236}">
-                <a16:creationId xmlns:a16="http://schemas.microsoft.com/office/drawing/2014/main" id="{18D5CFA2-4E67-F157-5FFD-A246307D41F7}"/>
+                <a16:creationId xmlns:a16="http://schemas.microsoft.com/office/drawing/2014/main" xmlns="" id="{18D5CFA2-4E67-F157-5FFD-A246307D41F7}"/>
               </a:ext>
             </a:extLst>
           </p:cNvPr>
@@ -20007,7 +20050,7 @@
     </p:spTree>
     <p:extLst>
       <p:ext uri="{BB962C8B-B14F-4D97-AF65-F5344CB8AC3E}">
-        <p14:creationId xmlns:p14="http://schemas.microsoft.com/office/powerpoint/2010/main" val="3913219759"/>
+        <p14:creationId xmlns:p14="http://schemas.microsoft.com/office/powerpoint/2010/main" xmlns="" val="3913219759"/>
       </p:ext>
     </p:extLst>
   </p:cSld>
@@ -20039,7 +20082,7 @@
           <p:cNvPr id="2" name="Title 1">
             <a:extLst>
               <a:ext uri="{FF2B5EF4-FFF2-40B4-BE49-F238E27FC236}">
-                <a16:creationId xmlns:a16="http://schemas.microsoft.com/office/drawing/2014/main" id="{D54EDA75-0988-2AC2-87F8-8DEC83A7B9CA}"/>
+                <a16:creationId xmlns:a16="http://schemas.microsoft.com/office/drawing/2014/main" xmlns="" id="{D54EDA75-0988-2AC2-87F8-8DEC83A7B9CA}"/>
               </a:ext>
             </a:extLst>
           </p:cNvPr>
@@ -20072,7 +20115,7 @@
           <p:cNvPr id="7" name="Picture Placeholder 6" descr="A person standing in front of a whiteboard">
             <a:extLst>
               <a:ext uri="{FF2B5EF4-FFF2-40B4-BE49-F238E27FC236}">
-                <a16:creationId xmlns:a16="http://schemas.microsoft.com/office/drawing/2014/main" id="{DD186EAB-37C7-E7E6-AE8D-F077D02804F9}"/>
+                <a16:creationId xmlns:a16="http://schemas.microsoft.com/office/drawing/2014/main" xmlns="" id="{DD186EAB-37C7-E7E6-AE8D-F077D02804F9}"/>
               </a:ext>
             </a:extLst>
           </p:cNvPr>
@@ -20084,7 +20127,7 @@
           </p:nvPr>
         </p:nvPicPr>
         <p:blipFill>
-          <a:blip r:embed="rId5">
+          <a:blip r:embed="rId4">
             <a:duotone>
               <a:prstClr val="black"/>
               <a:schemeClr val="accent1">
@@ -20109,7 +20152,7 @@
             <a:hlinkClick r:id="" action="ppaction://media"/>
             <a:extLst>
               <a:ext uri="{FF2B5EF4-FFF2-40B4-BE49-F238E27FC236}">
-                <a16:creationId xmlns:a16="http://schemas.microsoft.com/office/drawing/2014/main" id="{40BAC14D-54DA-BE59-020F-1D25689FF4E2}"/>
+                <a16:creationId xmlns:a16="http://schemas.microsoft.com/office/drawing/2014/main" xmlns="" id="{40BAC14D-54DA-BE59-020F-1D25689FF4E2}"/>
               </a:ext>
             </a:extLst>
           </p:cNvPr>
@@ -20117,10 +20160,10 @@
             <a:picLocks noChangeAspect="1"/>
           </p:cNvPicPr>
           <p:nvPr>
-            <a:videoFile r:link="rId2"/>
+            <a:videoFile r:link="rId1"/>
             <p:extLst>
               <p:ext uri="{DAA4B4D4-6D71-4841-9C94-3DE7FCFB9230}">
-                <p14:media xmlns:p14="http://schemas.microsoft.com/office/powerpoint/2010/main" r:embed="rId1"/>
+                <p14:media xmlns:p14="http://schemas.microsoft.com/office/powerpoint/2010/main" xmlns="" r:embed="rId5"/>
               </p:ext>
             </p:extLst>
           </p:nvPr>
@@ -20144,7 +20187,7 @@
     </p:spTree>
     <p:extLst>
       <p:ext uri="{BB962C8B-B14F-4D97-AF65-F5344CB8AC3E}">
-        <p14:creationId xmlns:p14="http://schemas.microsoft.com/office/powerpoint/2010/main" val="2906491918"/>
+        <p14:creationId xmlns:p14="http://schemas.microsoft.com/office/powerpoint/2010/main" xmlns="" val="2906491918"/>
       </p:ext>
     </p:extLst>
   </p:cSld>
@@ -20311,7 +20354,7 @@
           <p:cNvPr id="2" name="Title 1">
             <a:extLst>
               <a:ext uri="{FF2B5EF4-FFF2-40B4-BE49-F238E27FC236}">
-                <a16:creationId xmlns:a16="http://schemas.microsoft.com/office/drawing/2014/main" id="{D53B219B-7E3A-7E84-6386-37313F0CFB09}"/>
+                <a16:creationId xmlns:a16="http://schemas.microsoft.com/office/drawing/2014/main" xmlns="" id="{D53B219B-7E3A-7E84-6386-37313F0CFB09}"/>
               </a:ext>
             </a:extLst>
           </p:cNvPr>
@@ -20344,7 +20387,7 @@
           <p:cNvPr id="3" name="Text Placeholder 2">
             <a:extLst>
               <a:ext uri="{FF2B5EF4-FFF2-40B4-BE49-F238E27FC236}">
-                <a16:creationId xmlns:a16="http://schemas.microsoft.com/office/drawing/2014/main" id="{A2E339BF-E6D7-DD0E-AF02-6813852EE723}"/>
+                <a16:creationId xmlns:a16="http://schemas.microsoft.com/office/drawing/2014/main" xmlns="" id="{A2E339BF-E6D7-DD0E-AF02-6813852EE723}"/>
               </a:ext>
             </a:extLst>
           </p:cNvPr>
@@ -20389,7 +20432,7 @@
           <p:cNvPr id="6" name="Picture Placeholder 5" descr="A person holding a microphone and standing in front of a group of people">
             <a:extLst>
               <a:ext uri="{FF2B5EF4-FFF2-40B4-BE49-F238E27FC236}">
-                <a16:creationId xmlns:a16="http://schemas.microsoft.com/office/drawing/2014/main" id="{FECDA901-DD88-89EB-E10E-A2994D0A92DB}"/>
+                <a16:creationId xmlns:a16="http://schemas.microsoft.com/office/drawing/2014/main" xmlns="" id="{FECDA901-DD88-89EB-E10E-A2994D0A92DB}"/>
               </a:ext>
             </a:extLst>
           </p:cNvPr>
@@ -20423,7 +20466,7 @@
     </p:spTree>
     <p:extLst>
       <p:ext uri="{BB962C8B-B14F-4D97-AF65-F5344CB8AC3E}">
-        <p14:creationId xmlns:p14="http://schemas.microsoft.com/office/powerpoint/2010/main" val="2952923800"/>
+        <p14:creationId xmlns:p14="http://schemas.microsoft.com/office/powerpoint/2010/main" xmlns="" val="2952923800"/>
       </p:ext>
     </p:extLst>
   </p:cSld>
@@ -20455,7 +20498,7 @@
           <p:cNvPr id="2" name="Title 1">
             <a:extLst>
               <a:ext uri="{FF2B5EF4-FFF2-40B4-BE49-F238E27FC236}">
-                <a16:creationId xmlns:a16="http://schemas.microsoft.com/office/drawing/2014/main" id="{FD5E8954-9BCB-7FD9-A210-38DC54382D45}"/>
+                <a16:creationId xmlns:a16="http://schemas.microsoft.com/office/drawing/2014/main" xmlns="" id="{FD5E8954-9BCB-7FD9-A210-38DC54382D45}"/>
               </a:ext>
             </a:extLst>
           </p:cNvPr>
@@ -20488,7 +20531,7 @@
           <p:cNvPr id="3" name="Content Placeholder 2">
             <a:extLst>
               <a:ext uri="{FF2B5EF4-FFF2-40B4-BE49-F238E27FC236}">
-                <a16:creationId xmlns:a16="http://schemas.microsoft.com/office/drawing/2014/main" id="{75111C33-898C-4414-4665-5136EB6FC126}"/>
+                <a16:creationId xmlns:a16="http://schemas.microsoft.com/office/drawing/2014/main" xmlns="" id="{75111C33-898C-4414-4665-5136EB6FC126}"/>
               </a:ext>
             </a:extLst>
           </p:cNvPr>
@@ -20539,7 +20582,7 @@
           <p:cNvPr id="23" name="Slide Number Placeholder 22">
             <a:extLst>
               <a:ext uri="{FF2B5EF4-FFF2-40B4-BE49-F238E27FC236}">
-                <a16:creationId xmlns:a16="http://schemas.microsoft.com/office/drawing/2014/main" id="{94FF72B7-0438-3641-5939-75128934B0DF}"/>
+                <a16:creationId xmlns:a16="http://schemas.microsoft.com/office/drawing/2014/main" xmlns="" id="{94FF72B7-0438-3641-5939-75128934B0DF}"/>
               </a:ext>
             </a:extLst>
           </p:cNvPr>
@@ -20572,7 +20615,7 @@
     </p:spTree>
     <p:extLst>
       <p:ext uri="{BB962C8B-B14F-4D97-AF65-F5344CB8AC3E}">
-        <p14:creationId xmlns:p14="http://schemas.microsoft.com/office/powerpoint/2010/main" val="685681062"/>
+        <p14:creationId xmlns:p14="http://schemas.microsoft.com/office/powerpoint/2010/main" xmlns="" val="685681062"/>
       </p:ext>
     </p:extLst>
   </p:cSld>
@@ -20604,7 +20647,7 @@
           <p:cNvPr id="2" name="Title 1">
             <a:extLst>
               <a:ext uri="{FF2B5EF4-FFF2-40B4-BE49-F238E27FC236}">
-                <a16:creationId xmlns:a16="http://schemas.microsoft.com/office/drawing/2014/main" id="{B6210199-C129-11F0-56F2-2D1AED21CB4C}"/>
+                <a16:creationId xmlns:a16="http://schemas.microsoft.com/office/drawing/2014/main" xmlns="" id="{B6210199-C129-11F0-56F2-2D1AED21CB4C}"/>
               </a:ext>
             </a:extLst>
           </p:cNvPr>
@@ -20644,7 +20687,7 @@
           <p:cNvPr id="3" name="Slide Number Placeholder 2">
             <a:extLst>
               <a:ext uri="{FF2B5EF4-FFF2-40B4-BE49-F238E27FC236}">
-                <a16:creationId xmlns:a16="http://schemas.microsoft.com/office/drawing/2014/main" id="{370AEC4F-E711-8552-9C34-82C1514A1E37}"/>
+                <a16:creationId xmlns:a16="http://schemas.microsoft.com/office/drawing/2014/main" xmlns="" id="{370AEC4F-E711-8552-9C34-82C1514A1E37}"/>
               </a:ext>
             </a:extLst>
           </p:cNvPr>
@@ -20679,7 +20722,7 @@
           <p:cNvPr id="4" name="Content Placeholder 3">
             <a:extLst>
               <a:ext uri="{FF2B5EF4-FFF2-40B4-BE49-F238E27FC236}">
-                <a16:creationId xmlns:a16="http://schemas.microsoft.com/office/drawing/2014/main" id="{BDDD6BDC-E008-6AB7-55A1-46ED9BCF054F}"/>
+                <a16:creationId xmlns:a16="http://schemas.microsoft.com/office/drawing/2014/main" xmlns="" id="{BDDD6BDC-E008-6AB7-55A1-46ED9BCF054F}"/>
               </a:ext>
             </a:extLst>
           </p:cNvPr>
@@ -20710,7 +20753,7 @@
     </p:spTree>
     <p:extLst>
       <p:ext uri="{BB962C8B-B14F-4D97-AF65-F5344CB8AC3E}">
-        <p14:creationId xmlns:p14="http://schemas.microsoft.com/office/powerpoint/2010/main" val="1131718056"/>
+        <p14:creationId xmlns:p14="http://schemas.microsoft.com/office/powerpoint/2010/main" xmlns="" val="1131718056"/>
       </p:ext>
     </p:extLst>
   </p:cSld>
@@ -20742,7 +20785,7 @@
           <p:cNvPr id="2" name="Title 1">
             <a:extLst>
               <a:ext uri="{FF2B5EF4-FFF2-40B4-BE49-F238E27FC236}">
-                <a16:creationId xmlns:a16="http://schemas.microsoft.com/office/drawing/2014/main" id="{B28A34A6-22BC-27A4-2C79-EE98A4943B14}"/>
+                <a16:creationId xmlns:a16="http://schemas.microsoft.com/office/drawing/2014/main" xmlns="" id="{B28A34A6-22BC-27A4-2C79-EE98A4943B14}"/>
               </a:ext>
             </a:extLst>
           </p:cNvPr>
@@ -20775,7 +20818,7 @@
           <p:cNvPr id="3" name="Slide Number Placeholder 2">
             <a:extLst>
               <a:ext uri="{FF2B5EF4-FFF2-40B4-BE49-F238E27FC236}">
-                <a16:creationId xmlns:a16="http://schemas.microsoft.com/office/drawing/2014/main" id="{7267C004-8B72-C872-98FB-00A2A584D055}"/>
+                <a16:creationId xmlns:a16="http://schemas.microsoft.com/office/drawing/2014/main" xmlns="" id="{7267C004-8B72-C872-98FB-00A2A584D055}"/>
               </a:ext>
             </a:extLst>
           </p:cNvPr>
@@ -20810,7 +20853,7 @@
           <p:cNvPr id="16" name="Content Placeholder 4">
             <a:extLst>
               <a:ext uri="{FF2B5EF4-FFF2-40B4-BE49-F238E27FC236}">
-                <a16:creationId xmlns:a16="http://schemas.microsoft.com/office/drawing/2014/main" id="{AEF9954A-E263-8A7E-58B1-4D03F7D1BD9B}"/>
+                <a16:creationId xmlns:a16="http://schemas.microsoft.com/office/drawing/2014/main" xmlns="" id="{AEF9954A-E263-8A7E-58B1-4D03F7D1BD9B}"/>
               </a:ext>
             </a:extLst>
           </p:cNvPr>
@@ -20866,7 +20909,7 @@
           <p:cNvPr id="17" name="Content Placeholder 6">
             <a:extLst>
               <a:ext uri="{FF2B5EF4-FFF2-40B4-BE49-F238E27FC236}">
-                <a16:creationId xmlns:a16="http://schemas.microsoft.com/office/drawing/2014/main" id="{33680A80-5C61-DD02-1119-0565C0AD5372}"/>
+                <a16:creationId xmlns:a16="http://schemas.microsoft.com/office/drawing/2014/main" xmlns="" id="{33680A80-5C61-DD02-1119-0565C0AD5372}"/>
               </a:ext>
             </a:extLst>
           </p:cNvPr>
@@ -20927,7 +20970,7 @@
     </p:spTree>
     <p:extLst>
       <p:ext uri="{BB962C8B-B14F-4D97-AF65-F5344CB8AC3E}">
-        <p14:creationId xmlns:p14="http://schemas.microsoft.com/office/powerpoint/2010/main" val="2468595790"/>
+        <p14:creationId xmlns:p14="http://schemas.microsoft.com/office/powerpoint/2010/main" xmlns="" val="2468595790"/>
       </p:ext>
     </p:extLst>
   </p:cSld>
@@ -20959,7 +21002,7 @@
           <p:cNvPr id="3" name="Title 2">
             <a:extLst>
               <a:ext uri="{FF2B5EF4-FFF2-40B4-BE49-F238E27FC236}">
-                <a16:creationId xmlns:a16="http://schemas.microsoft.com/office/drawing/2014/main" id="{3D55F2D4-C20E-BEBC-1CCF-4449B0456A7E}"/>
+                <a16:creationId xmlns:a16="http://schemas.microsoft.com/office/drawing/2014/main" xmlns="" id="{3D55F2D4-C20E-BEBC-1CCF-4449B0456A7E}"/>
               </a:ext>
             </a:extLst>
           </p:cNvPr>
@@ -20999,7 +21042,7 @@
           <p:cNvPr id="14" name="Content Placeholder 7">
             <a:extLst>
               <a:ext uri="{FF2B5EF4-FFF2-40B4-BE49-F238E27FC236}">
-                <a16:creationId xmlns:a16="http://schemas.microsoft.com/office/drawing/2014/main" id="{749C7CD1-A9AA-49E3-6734-AD9546F2DF5B}"/>
+                <a16:creationId xmlns:a16="http://schemas.microsoft.com/office/drawing/2014/main" xmlns="" id="{749C7CD1-A9AA-49E3-6734-AD9546F2DF5B}"/>
               </a:ext>
             </a:extLst>
           </p:cNvPr>
@@ -21058,7 +21101,7 @@
           <p:cNvPr id="13" name="Content Placeholder 5">
             <a:extLst>
               <a:ext uri="{FF2B5EF4-FFF2-40B4-BE49-F238E27FC236}">
-                <a16:creationId xmlns:a16="http://schemas.microsoft.com/office/drawing/2014/main" id="{58AC0C8B-8A7A-9FAE-2D0F-4D1C3A8C3FA5}"/>
+                <a16:creationId xmlns:a16="http://schemas.microsoft.com/office/drawing/2014/main" xmlns="" id="{58AC0C8B-8A7A-9FAE-2D0F-4D1C3A8C3FA5}"/>
               </a:ext>
             </a:extLst>
           </p:cNvPr>
@@ -21103,7 +21146,7 @@
           <p:cNvPr id="10" name="Picture Placeholder 9" descr="A person wearing a blue suit and headphones pointing at a computer">
             <a:extLst>
               <a:ext uri="{FF2B5EF4-FFF2-40B4-BE49-F238E27FC236}">
-                <a16:creationId xmlns:a16="http://schemas.microsoft.com/office/drawing/2014/main" id="{DD0A0899-5B02-CEB5-E5DD-448B169C2377}"/>
+                <a16:creationId xmlns:a16="http://schemas.microsoft.com/office/drawing/2014/main" xmlns="" id="{DD0A0899-5B02-CEB5-E5DD-448B169C2377}"/>
               </a:ext>
             </a:extLst>
           </p:cNvPr>
@@ -21139,7 +21182,7 @@
           <p:cNvPr id="4" name="Slide Number Placeholder 3">
             <a:extLst>
               <a:ext uri="{FF2B5EF4-FFF2-40B4-BE49-F238E27FC236}">
-                <a16:creationId xmlns:a16="http://schemas.microsoft.com/office/drawing/2014/main" id="{C82CE1B8-1C92-D6D2-444B-652DB90E86D1}"/>
+                <a16:creationId xmlns:a16="http://schemas.microsoft.com/office/drawing/2014/main" xmlns="" id="{C82CE1B8-1C92-D6D2-444B-652DB90E86D1}"/>
               </a:ext>
             </a:extLst>
           </p:cNvPr>
@@ -21172,7 +21215,7 @@
     </p:spTree>
     <p:extLst>
       <p:ext uri="{BB962C8B-B14F-4D97-AF65-F5344CB8AC3E}">
-        <p14:creationId xmlns:p14="http://schemas.microsoft.com/office/powerpoint/2010/main" val="1941619646"/>
+        <p14:creationId xmlns:p14="http://schemas.microsoft.com/office/powerpoint/2010/main" xmlns="" val="1941619646"/>
       </p:ext>
     </p:extLst>
   </p:cSld>
@@ -21204,7 +21247,7 @@
           <p:cNvPr id="3" name="Title 2">
             <a:extLst>
               <a:ext uri="{FF2B5EF4-FFF2-40B4-BE49-F238E27FC236}">
-                <a16:creationId xmlns:a16="http://schemas.microsoft.com/office/drawing/2014/main" id="{9443EC8A-1733-CCF7-081F-EB4667CB3285}"/>
+                <a16:creationId xmlns:a16="http://schemas.microsoft.com/office/drawing/2014/main" xmlns="" id="{9443EC8A-1733-CCF7-081F-EB4667CB3285}"/>
               </a:ext>
             </a:extLst>
           </p:cNvPr>
@@ -21237,7 +21280,7 @@
           <p:cNvPr id="4" name="Content Placeholder 3">
             <a:extLst>
               <a:ext uri="{FF2B5EF4-FFF2-40B4-BE49-F238E27FC236}">
-                <a16:creationId xmlns:a16="http://schemas.microsoft.com/office/drawing/2014/main" id="{ACE55D3D-AA24-CF53-6679-29B3C83F7646}"/>
+                <a16:creationId xmlns:a16="http://schemas.microsoft.com/office/drawing/2014/main" xmlns="" id="{ACE55D3D-AA24-CF53-6679-29B3C83F7646}"/>
               </a:ext>
             </a:extLst>
           </p:cNvPr>
@@ -21279,7 +21322,7 @@
           <p:cNvPr id="7" name="Picture Placeholder 6" descr="A person wearing glasses and a blue shirt">
             <a:extLst>
               <a:ext uri="{FF2B5EF4-FFF2-40B4-BE49-F238E27FC236}">
-                <a16:creationId xmlns:a16="http://schemas.microsoft.com/office/drawing/2014/main" id="{C570EB79-053B-0283-9D2D-6266701EEDDD}"/>
+                <a16:creationId xmlns:a16="http://schemas.microsoft.com/office/drawing/2014/main" xmlns="" id="{C570EB79-053B-0283-9D2D-6266701EEDDD}"/>
               </a:ext>
             </a:extLst>
           </p:cNvPr>
@@ -21315,7 +21358,7 @@
           <p:cNvPr id="2" name="Slide Number Placeholder 1">
             <a:extLst>
               <a:ext uri="{FF2B5EF4-FFF2-40B4-BE49-F238E27FC236}">
-                <a16:creationId xmlns:a16="http://schemas.microsoft.com/office/drawing/2014/main" id="{AB69D854-FB65-0E93-CFE2-041F7C41DD24}"/>
+                <a16:creationId xmlns:a16="http://schemas.microsoft.com/office/drawing/2014/main" xmlns="" id="{AB69D854-FB65-0E93-CFE2-041F7C41DD24}"/>
               </a:ext>
             </a:extLst>
           </p:cNvPr>
@@ -21348,7 +21391,7 @@
     </p:spTree>
     <p:extLst>
       <p:ext uri="{BB962C8B-B14F-4D97-AF65-F5344CB8AC3E}">
-        <p14:creationId xmlns:p14="http://schemas.microsoft.com/office/powerpoint/2010/main" val="4072101725"/>
+        <p14:creationId xmlns:p14="http://schemas.microsoft.com/office/powerpoint/2010/main" xmlns="" val="4072101725"/>
       </p:ext>
     </p:extLst>
   </p:cSld>
@@ -21553,7 +21596,7 @@
   <a:extraClrSchemeLst/>
   <a:extLst>
     <a:ext uri="{05A4C25C-085E-4340-85A3-A5531E510DB2}">
-      <thm15:themeFamily xmlns:thm15="http://schemas.microsoft.com/office/thememl/2012/main" name="Geometric color block_Win32_SL_v14" id="{59749740-91A0-46B8-82A8-B436C7A8A142}" vid="{B3F8D047-377B-4FC8-B21C-47530C6DE3AB}"/>
+      <thm15:themeFamily xmlns:thm15="http://schemas.microsoft.com/office/thememl/2012/main" xmlns="" name="Geometric color block_Win32_SL_v14" id="{59749740-91A0-46B8-82A8-B436C7A8A142}" vid="{B3F8D047-377B-4FC8-B21C-47530C6DE3AB}"/>
     </a:ext>
   </a:extLst>
 </a:theme>
@@ -21602,7 +21645,7 @@
     </a:clrScheme>
     <a:fontScheme name="Office">
       <a:majorFont>
-        <a:latin typeface="Calibri Light" panose="020F0302020204030204"/>
+        <a:latin typeface="Calibri Light"/>
         <a:ea typeface=""/>
         <a:cs typeface=""/>
         <a:font script="Jpan" typeface="游ゴシック Light"/>
@@ -21654,7 +21697,7 @@
         <a:font script="Tfng" typeface="Ebrima"/>
       </a:majorFont>
       <a:minorFont>
-        <a:latin typeface="Calibri" panose="020F0502020204030204"/>
+        <a:latin typeface="Calibri"/>
         <a:ea typeface=""/>
         <a:cs typeface=""/>
         <a:font script="Jpan" typeface="游ゴシック"/>
@@ -21848,7 +21891,7 @@
   <a:extraClrSchemeLst/>
   <a:extLst>
     <a:ext uri="{05A4C25C-085E-4340-85A3-A5531E510DB2}">
-      <thm15:themeFamily xmlns:thm15="http://schemas.microsoft.com/office/thememl/2012/main" name="Office Theme" id="{62F939B6-93AF-4DB8-9C6B-D6C7DFDC589F}" vid="{4A3C46E8-61CC-4603-A589-7422A47A8E4A}"/>
+      <thm15:themeFamily xmlns:thm15="http://schemas.microsoft.com/office/thememl/2012/main" xmlns="" name="Office Theme" id="{62F939B6-93AF-4DB8-9C6B-D6C7DFDC589F}" vid="{4A3C46E8-61CC-4603-A589-7422A47A8E4A}"/>
     </a:ext>
   </a:extLst>
 </a:theme>
@@ -21897,7 +21940,7 @@
     </a:clrScheme>
     <a:fontScheme name="Office">
       <a:majorFont>
-        <a:latin typeface="Calibri Light" panose="020F0302020204030204"/>
+        <a:latin typeface="Calibri Light"/>
         <a:ea typeface=""/>
         <a:cs typeface=""/>
         <a:font script="Jpan" typeface="游ゴシック Light"/>
@@ -21949,7 +21992,7 @@
         <a:font script="Tfng" typeface="Ebrima"/>
       </a:majorFont>
       <a:minorFont>
-        <a:latin typeface="Calibri" panose="020F0502020204030204"/>
+        <a:latin typeface="Calibri"/>
         <a:ea typeface=""/>
         <a:cs typeface=""/>
         <a:font script="Jpan" typeface="游ゴシック"/>
@@ -22143,42 +22186,13 @@
   <a:extraClrSchemeLst/>
   <a:extLst>
     <a:ext uri="{05A4C25C-085E-4340-85A3-A5531E510DB2}">
-      <thm15:themeFamily xmlns:thm15="http://schemas.microsoft.com/office/thememl/2012/main" name="Office Theme" id="{62F939B6-93AF-4DB8-9C6B-D6C7DFDC589F}" vid="{4A3C46E8-61CC-4603-A589-7422A47A8E4A}"/>
+      <thm15:themeFamily xmlns:thm15="http://schemas.microsoft.com/office/thememl/2012/main" xmlns="" name="Office Theme" id="{62F939B6-93AF-4DB8-9C6B-D6C7DFDC589F}" vid="{4A3C46E8-61CC-4603-A589-7422A47A8E4A}"/>
     </a:ext>
   </a:extLst>
 </a:theme>
 </file>
 
 <file path=customXml/item1.xml><?xml version="1.0" encoding="utf-8"?>
-<p:properties xmlns:p="http://schemas.microsoft.com/office/2006/metadata/properties" xmlns:xsi="http://www.w3.org/2001/XMLSchema-instance" xmlns:pc="http://schemas.microsoft.com/office/infopath/2007/PartnerControls">
-  <documentManagement>
-    <_ip_UnifiedCompliancePolicyUIAction xmlns="http://schemas.microsoft.com/sharepoint/v3" xsi:nil="true"/>
-    <Image xmlns="71af3243-3dd4-4a8d-8c0d-dd76da1f02a5">
-      <Url xsi:nil="true"/>
-      <Description xsi:nil="true"/>
-    </Image>
-    <Status xmlns="71af3243-3dd4-4a8d-8c0d-dd76da1f02a5">Not started</Status>
-    <Background xmlns="71af3243-3dd4-4a8d-8c0d-dd76da1f02a5">false</Background>
-    <_ip_UnifiedCompliancePolicyProperties xmlns="http://schemas.microsoft.com/sharepoint/v3" xsi:nil="true"/>
-    <ImageTagsTaxHTField xmlns="71af3243-3dd4-4a8d-8c0d-dd76da1f02a5">
-      <Terms xmlns="http://schemas.microsoft.com/office/infopath/2007/PartnerControls"/>
-    </ImageTagsTaxHTField>
-    <TaxCatchAll xmlns="230e9df3-be65-4c73-a93b-d1236ebd677e" xsi:nil="true"/>
-    <MediaServiceKeyPoints xmlns="71af3243-3dd4-4a8d-8c0d-dd76da1f02a5" xsi:nil="true"/>
-  </documentManagement>
-</p:properties>
-</file>
-
-<file path=customXml/item2.xml><?xml version="1.0" encoding="utf-8"?>
-<?mso-contentType ?>
-<FormTemplates xmlns="http://schemas.microsoft.com/sharepoint/v3/contenttype/forms">
-  <Display>DocumentLibraryForm</Display>
-  <Edit>DocumentLibraryForm</Edit>
-  <New>DocumentLibraryForm</New>
-</FormTemplates>
-</file>
-
-<file path=customXml/item3.xml><?xml version="1.0" encoding="utf-8"?>
 <ct:contentTypeSchema xmlns:ct="http://schemas.microsoft.com/office/2006/metadata/contentType" xmlns:ma="http://schemas.microsoft.com/office/2006/metadata/properties/metaAttributes" ct:_="" ma:_="" ma:contentTypeName="Document" ma:contentTypeID="0x01010079F111ED35F8CC479449609E8A0923A6" ma:contentTypeVersion="28" ma:contentTypeDescription="Create a new document." ma:contentTypeScope="" ma:versionID="60f5a4f2d2b0abadcf532d48ebf9cb71">
   <xsd:schema xmlns:xsd="http://www.w3.org/2001/XMLSchema" xmlns:xs="http://www.w3.org/2001/XMLSchema" xmlns:p="http://schemas.microsoft.com/office/2006/metadata/properties" xmlns:ns1="http://schemas.microsoft.com/sharepoint/v3" xmlns:ns2="71af3243-3dd4-4a8d-8c0d-dd76da1f02a5" xmlns:ns3="16c05727-aa75-4e4a-9b5f-8a80a1165891" xmlns:ns4="230e9df3-be65-4c73-a93b-d1236ebd677e" targetNamespace="http://schemas.microsoft.com/office/2006/metadata/properties" ma:root="true" ma:fieldsID="7dd78129e6a1811f84807ad11c651531" ns1:_="" ns2:_="" ns3:_="" ns4:_="">
     <xsd:import namespace="http://schemas.microsoft.com/sharepoint/v3"/>
@@ -22490,27 +22504,36 @@
 </ct:contentTypeSchema>
 </file>
 
-<file path=customXml/itemProps1.xml><?xml version="1.0" encoding="utf-8"?>
-<ds:datastoreItem xmlns:ds="http://schemas.openxmlformats.org/officeDocument/2006/customXml" ds:itemID="{BA719FA4-954C-4FA8-82CB-206659C3B826}">
-  <ds:schemaRefs>
-    <ds:schemaRef ds:uri="http://schemas.microsoft.com/office/2006/metadata/properties"/>
-    <ds:schemaRef ds:uri="http://schemas.microsoft.com/office/infopath/2007/PartnerControls"/>
-    <ds:schemaRef ds:uri="http://schemas.microsoft.com/sharepoint/v3"/>
-    <ds:schemaRef ds:uri="71af3243-3dd4-4a8d-8c0d-dd76da1f02a5"/>
-    <ds:schemaRef ds:uri="230e9df3-be65-4c73-a93b-d1236ebd677e"/>
-  </ds:schemaRefs>
-</ds:datastoreItem>
+<file path=customXml/item2.xml><?xml version="1.0" encoding="utf-8"?>
+<?mso-contentType ?>
+<FormTemplates xmlns="http://schemas.microsoft.com/sharepoint/v3/contenttype/forms">
+  <Display>DocumentLibraryForm</Display>
+  <Edit>DocumentLibraryForm</Edit>
+  <New>DocumentLibraryForm</New>
+</FormTemplates>
 </file>
 
-<file path=customXml/itemProps2.xml><?xml version="1.0" encoding="utf-8"?>
-<ds:datastoreItem xmlns:ds="http://schemas.openxmlformats.org/officeDocument/2006/customXml" ds:itemID="{16DBB56F-4362-4386-A1A1-3DF898896616}">
-  <ds:schemaRefs>
-    <ds:schemaRef ds:uri="http://schemas.microsoft.com/sharepoint/v3/contenttype/forms"/>
-  </ds:schemaRefs>
-</ds:datastoreItem>
+<file path=customXml/item3.xml><?xml version="1.0" encoding="utf-8"?>
+<p:properties xmlns:p="http://schemas.microsoft.com/office/2006/metadata/properties" xmlns:xsi="http://www.w3.org/2001/XMLSchema-instance" xmlns:pc="http://schemas.microsoft.com/office/infopath/2007/PartnerControls">
+  <documentManagement>
+    <_ip_UnifiedCompliancePolicyUIAction xmlns="http://schemas.microsoft.com/sharepoint/v3" xsi:nil="true"/>
+    <Image xmlns="71af3243-3dd4-4a8d-8c0d-dd76da1f02a5">
+      <Url xsi:nil="true"/>
+      <Description xsi:nil="true"/>
+    </Image>
+    <Status xmlns="71af3243-3dd4-4a8d-8c0d-dd76da1f02a5">Not started</Status>
+    <Background xmlns="71af3243-3dd4-4a8d-8c0d-dd76da1f02a5">false</Background>
+    <_ip_UnifiedCompliancePolicyProperties xmlns="http://schemas.microsoft.com/sharepoint/v3" xsi:nil="true"/>
+    <ImageTagsTaxHTField xmlns="71af3243-3dd4-4a8d-8c0d-dd76da1f02a5">
+      <Terms xmlns="http://schemas.microsoft.com/office/infopath/2007/PartnerControls"/>
+    </ImageTagsTaxHTField>
+    <TaxCatchAll xmlns="230e9df3-be65-4c73-a93b-d1236ebd677e" xsi:nil="true"/>
+    <MediaServiceKeyPoints xmlns="71af3243-3dd4-4a8d-8c0d-dd76da1f02a5" xsi:nil="true"/>
+  </documentManagement>
+</p:properties>
 </file>
 
-<file path=customXml/itemProps3.xml><?xml version="1.0" encoding="utf-8"?>
+<file path=customXml/itemProps1.xml><?xml version="1.0" encoding="utf-8"?>
 <ds:datastoreItem xmlns:ds="http://schemas.openxmlformats.org/officeDocument/2006/customXml" ds:itemID="{04948363-B267-4BAC-8655-100FBEC280C1}">
   <ds:schemaRefs>
     <ds:schemaRef ds:uri="http://schemas.microsoft.com/office/2006/metadata/contentType"/>
@@ -22531,6 +22554,26 @@
 </ds:datastoreItem>
 </file>
 
+<file path=customXml/itemProps2.xml><?xml version="1.0" encoding="utf-8"?>
+<ds:datastoreItem xmlns:ds="http://schemas.openxmlformats.org/officeDocument/2006/customXml" ds:itemID="{16DBB56F-4362-4386-A1A1-3DF898896616}">
+  <ds:schemaRefs>
+    <ds:schemaRef ds:uri="http://schemas.microsoft.com/sharepoint/v3/contenttype/forms"/>
+  </ds:schemaRefs>
+</ds:datastoreItem>
+</file>
+
+<file path=customXml/itemProps3.xml><?xml version="1.0" encoding="utf-8"?>
+<ds:datastoreItem xmlns:ds="http://schemas.openxmlformats.org/officeDocument/2006/customXml" ds:itemID="{BA719FA4-954C-4FA8-82CB-206659C3B826}">
+  <ds:schemaRefs>
+    <ds:schemaRef ds:uri="http://schemas.microsoft.com/office/2006/metadata/properties"/>
+    <ds:schemaRef ds:uri="http://schemas.microsoft.com/office/infopath/2007/PartnerControls"/>
+    <ds:schemaRef ds:uri="http://schemas.microsoft.com/sharepoint/v3"/>
+    <ds:schemaRef ds:uri="71af3243-3dd4-4a8d-8c0d-dd76da1f02a5"/>
+    <ds:schemaRef ds:uri="230e9df3-be65-4c73-a93b-d1236ebd677e"/>
+  </ds:schemaRefs>
+</ds:datastoreItem>
+</file>
+
 <file path=docMetadata/LabelInfo.xml><?xml version="1.0" encoding="utf-8"?>
 <clbl:labelList xmlns:clbl="http://schemas.microsoft.com/office/2020/mipLabelMetadata"/>
 </file>